--- a/cs1675_rec8_oct26.pptx
+++ b/cs1675_rec8_oct26.pptx
@@ -243,7 +243,7 @@
           <a:p>
             <a:fld id="{79DACF82-7282-4538-9925-81D795D18BF0}" type="datetimeFigureOut">
               <a:rPr lang="en-US" smtClean="0"/>
-              <a:t>10/25/2018</a:t>
+              <a:t>10/26/2018</a:t>
             </a:fld>
             <a:endParaRPr lang="en-US"/>
           </a:p>
@@ -2657,7 +2657,7 @@
           <a:p>
             <a:fld id="{7880F47B-3C72-48E5-9CD2-8B9AE0E9AFF7}" type="datetimeFigureOut">
               <a:rPr lang="en-US" smtClean="0"/>
-              <a:t>10/25/2018</a:t>
+              <a:t>10/26/2018</a:t>
             </a:fld>
             <a:endParaRPr lang="en-US"/>
           </a:p>
@@ -2827,7 +2827,7 @@
           <a:p>
             <a:fld id="{7880F47B-3C72-48E5-9CD2-8B9AE0E9AFF7}" type="datetimeFigureOut">
               <a:rPr lang="en-US" smtClean="0"/>
-              <a:t>10/25/2018</a:t>
+              <a:t>10/26/2018</a:t>
             </a:fld>
             <a:endParaRPr lang="en-US"/>
           </a:p>
@@ -3007,7 +3007,7 @@
           <a:p>
             <a:fld id="{7880F47B-3C72-48E5-9CD2-8B9AE0E9AFF7}" type="datetimeFigureOut">
               <a:rPr lang="en-US" smtClean="0"/>
-              <a:t>10/25/2018</a:t>
+              <a:t>10/26/2018</a:t>
             </a:fld>
             <a:endParaRPr lang="en-US"/>
           </a:p>
@@ -3177,7 +3177,7 @@
           <a:p>
             <a:fld id="{7880F47B-3C72-48E5-9CD2-8B9AE0E9AFF7}" type="datetimeFigureOut">
               <a:rPr lang="en-US" smtClean="0"/>
-              <a:t>10/25/2018</a:t>
+              <a:t>10/26/2018</a:t>
             </a:fld>
             <a:endParaRPr lang="en-US"/>
           </a:p>
@@ -3421,7 +3421,7 @@
           <a:p>
             <a:fld id="{7880F47B-3C72-48E5-9CD2-8B9AE0E9AFF7}" type="datetimeFigureOut">
               <a:rPr lang="en-US" smtClean="0"/>
-              <a:t>10/25/2018</a:t>
+              <a:t>10/26/2018</a:t>
             </a:fld>
             <a:endParaRPr lang="en-US"/>
           </a:p>
@@ -3653,7 +3653,7 @@
           <a:p>
             <a:fld id="{7880F47B-3C72-48E5-9CD2-8B9AE0E9AFF7}" type="datetimeFigureOut">
               <a:rPr lang="en-US" smtClean="0"/>
-              <a:t>10/25/2018</a:t>
+              <a:t>10/26/2018</a:t>
             </a:fld>
             <a:endParaRPr lang="en-US"/>
           </a:p>
@@ -4020,7 +4020,7 @@
           <a:p>
             <a:fld id="{7880F47B-3C72-48E5-9CD2-8B9AE0E9AFF7}" type="datetimeFigureOut">
               <a:rPr lang="en-US" smtClean="0"/>
-              <a:t>10/25/2018</a:t>
+              <a:t>10/26/2018</a:t>
             </a:fld>
             <a:endParaRPr lang="en-US"/>
           </a:p>
@@ -4138,7 +4138,7 @@
           <a:p>
             <a:fld id="{7880F47B-3C72-48E5-9CD2-8B9AE0E9AFF7}" type="datetimeFigureOut">
               <a:rPr lang="en-US" smtClean="0"/>
-              <a:t>10/25/2018</a:t>
+              <a:t>10/26/2018</a:t>
             </a:fld>
             <a:endParaRPr lang="en-US"/>
           </a:p>
@@ -4233,7 +4233,7 @@
           <a:p>
             <a:fld id="{7880F47B-3C72-48E5-9CD2-8B9AE0E9AFF7}" type="datetimeFigureOut">
               <a:rPr lang="en-US" smtClean="0"/>
-              <a:t>10/25/2018</a:t>
+              <a:t>10/26/2018</a:t>
             </a:fld>
             <a:endParaRPr lang="en-US"/>
           </a:p>
@@ -4510,7 +4510,7 @@
           <a:p>
             <a:fld id="{7880F47B-3C72-48E5-9CD2-8B9AE0E9AFF7}" type="datetimeFigureOut">
               <a:rPr lang="en-US" smtClean="0"/>
-              <a:t>10/25/2018</a:t>
+              <a:t>10/26/2018</a:t>
             </a:fld>
             <a:endParaRPr lang="en-US"/>
           </a:p>
@@ -4767,7 +4767,7 @@
           <a:p>
             <a:fld id="{7880F47B-3C72-48E5-9CD2-8B9AE0E9AFF7}" type="datetimeFigureOut">
               <a:rPr lang="en-US" smtClean="0"/>
-              <a:t>10/25/2018</a:t>
+              <a:t>10/26/2018</a:t>
             </a:fld>
             <a:endParaRPr lang="en-US"/>
           </a:p>
@@ -4980,7 +4980,7 @@
           <a:p>
             <a:fld id="{7880F47B-3C72-48E5-9CD2-8B9AE0E9AFF7}" type="datetimeFigureOut">
               <a:rPr lang="en-US" smtClean="0"/>
-              <a:t>10/25/2018</a:t>
+              <a:t>10/26/2018</a:t>
             </a:fld>
             <a:endParaRPr lang="en-US"/>
           </a:p>
@@ -5412,8 +5412,21 @@
                   <a:srgbClr val="05308D"/>
                 </a:solidFill>
               </a:rPr>
-              <a:t>CS1675 Recitation #8: 10/24/18</a:t>
-            </a:r>
+              <a:t>CS1675 Recitation #8: </a:t>
+            </a:r>
+            <a:r>
+              <a:rPr lang="en-US" sz="2800" dirty="0" smtClean="0">
+                <a:solidFill>
+                  <a:srgbClr val="05308D"/>
+                </a:solidFill>
+              </a:rPr>
+              <a:t>10/26/18</a:t>
+            </a:r>
+            <a:endParaRPr lang="en-US" sz="2800" dirty="0">
+              <a:solidFill>
+                <a:srgbClr val="05308D"/>
+              </a:solidFill>
+            </a:endParaRPr>
           </a:p>
         </p:txBody>
       </p:sp>
@@ -5540,6 +5553,13 @@
   <p:clrMapOvr>
     <a:masterClrMapping/>
   </p:clrMapOvr>
+  <p:timing>
+    <p:tnLst>
+      <p:par>
+        <p:cTn id="1" dur="indefinite" restart="never" nodeType="tmRoot"/>
+      </p:par>
+    </p:tnLst>
+  </p:timing>
 </p:sld>
 </file>
 
@@ -5565,7 +5585,7 @@
           <p:cNvPr id="2" name="TextBox 1">
             <a:extLst>
               <a:ext uri="{FF2B5EF4-FFF2-40B4-BE49-F238E27FC236}">
-                <a16:creationId xmlns:a16="http://schemas.microsoft.com/office/drawing/2014/main" id="{604FCC24-5774-4D19-AE3C-892BD5CB9036}"/>
+                <a16:creationId xmlns:a16="http://schemas.microsoft.com/office/drawing/2014/main" xmlns="" id="{604FCC24-5774-4D19-AE3C-892BD5CB9036}"/>
               </a:ext>
             </a:extLst>
           </p:cNvPr>
@@ -5603,7 +5623,7 @@
           <p:cNvPr id="4" name="Picture 3">
             <a:extLst>
               <a:ext uri="{FF2B5EF4-FFF2-40B4-BE49-F238E27FC236}">
-                <a16:creationId xmlns:a16="http://schemas.microsoft.com/office/drawing/2014/main" id="{19F477BC-847B-489B-8533-63913948AE7A}"/>
+                <a16:creationId xmlns:a16="http://schemas.microsoft.com/office/drawing/2014/main" xmlns="" id="{19F477BC-847B-489B-8533-63913948AE7A}"/>
               </a:ext>
             </a:extLst>
           </p:cNvPr>
@@ -5633,7 +5653,7 @@
           <p:cNvPr id="7" name="Picture 6">
             <a:extLst>
               <a:ext uri="{FF2B5EF4-FFF2-40B4-BE49-F238E27FC236}">
-                <a16:creationId xmlns:a16="http://schemas.microsoft.com/office/drawing/2014/main" id="{B3A980AB-3E15-4037-A515-354BB7A35442}"/>
+                <a16:creationId xmlns:a16="http://schemas.microsoft.com/office/drawing/2014/main" xmlns="" id="{B3A980AB-3E15-4037-A515-354BB7A35442}"/>
               </a:ext>
             </a:extLst>
           </p:cNvPr>
@@ -5663,7 +5683,7 @@
           <p:cNvPr id="10" name="Straight Arrow Connector 9">
             <a:extLst>
               <a:ext uri="{FF2B5EF4-FFF2-40B4-BE49-F238E27FC236}">
-                <a16:creationId xmlns:a16="http://schemas.microsoft.com/office/drawing/2014/main" id="{5025BDDE-C2B2-4E13-BC98-621C26600BDC}"/>
+                <a16:creationId xmlns:a16="http://schemas.microsoft.com/office/drawing/2014/main" xmlns="" id="{5025BDDE-C2B2-4E13-BC98-621C26600BDC}"/>
               </a:ext>
             </a:extLst>
           </p:cNvPr>
@@ -5702,7 +5722,7 @@
           <p:cNvPr id="12" name="Straight Connector 11">
             <a:extLst>
               <a:ext uri="{FF2B5EF4-FFF2-40B4-BE49-F238E27FC236}">
-                <a16:creationId xmlns:a16="http://schemas.microsoft.com/office/drawing/2014/main" id="{2DBC20C2-6F0C-4D0F-8FD8-0A3B53A05C13}"/>
+                <a16:creationId xmlns:a16="http://schemas.microsoft.com/office/drawing/2014/main" xmlns="" id="{2DBC20C2-6F0C-4D0F-8FD8-0A3B53A05C13}"/>
               </a:ext>
             </a:extLst>
           </p:cNvPr>
@@ -5739,7 +5759,7 @@
           <p:cNvPr id="13" name="Picture 12">
             <a:extLst>
               <a:ext uri="{FF2B5EF4-FFF2-40B4-BE49-F238E27FC236}">
-                <a16:creationId xmlns:a16="http://schemas.microsoft.com/office/drawing/2014/main" id="{907FBEBD-2FFB-43C7-AAFF-D011C8A72F65}"/>
+                <a16:creationId xmlns:a16="http://schemas.microsoft.com/office/drawing/2014/main" xmlns="" id="{907FBEBD-2FFB-43C7-AAFF-D011C8A72F65}"/>
               </a:ext>
             </a:extLst>
           </p:cNvPr>
@@ -5769,7 +5789,7 @@
           <p:cNvPr id="14" name="Picture 13">
             <a:extLst>
               <a:ext uri="{FF2B5EF4-FFF2-40B4-BE49-F238E27FC236}">
-                <a16:creationId xmlns:a16="http://schemas.microsoft.com/office/drawing/2014/main" id="{DF471828-ACCC-48F7-B718-1EB276F84AAF}"/>
+                <a16:creationId xmlns:a16="http://schemas.microsoft.com/office/drawing/2014/main" xmlns="" id="{DF471828-ACCC-48F7-B718-1EB276F84AAF}"/>
               </a:ext>
             </a:extLst>
           </p:cNvPr>
@@ -5804,6 +5824,13 @@
   <p:clrMapOvr>
     <a:masterClrMapping/>
   </p:clrMapOvr>
+  <p:timing>
+    <p:tnLst>
+      <p:par>
+        <p:cTn id="1" dur="indefinite" restart="never" nodeType="tmRoot"/>
+      </p:par>
+    </p:tnLst>
+  </p:timing>
 </p:sld>
 </file>
 
@@ -5829,7 +5856,7 @@
           <p:cNvPr id="2" name="TextBox 1">
             <a:extLst>
               <a:ext uri="{FF2B5EF4-FFF2-40B4-BE49-F238E27FC236}">
-                <a16:creationId xmlns:a16="http://schemas.microsoft.com/office/drawing/2014/main" id="{604FCC24-5774-4D19-AE3C-892BD5CB9036}"/>
+                <a16:creationId xmlns:a16="http://schemas.microsoft.com/office/drawing/2014/main" xmlns="" id="{604FCC24-5774-4D19-AE3C-892BD5CB9036}"/>
               </a:ext>
             </a:extLst>
           </p:cNvPr>
@@ -5867,7 +5894,7 @@
           <p:cNvPr id="15" name="TextBox 14">
             <a:extLst>
               <a:ext uri="{FF2B5EF4-FFF2-40B4-BE49-F238E27FC236}">
-                <a16:creationId xmlns:a16="http://schemas.microsoft.com/office/drawing/2014/main" id="{4228428F-CF77-4EFA-9B33-812EA60AC0C5}"/>
+                <a16:creationId xmlns:a16="http://schemas.microsoft.com/office/drawing/2014/main" xmlns="" id="{4228428F-CF77-4EFA-9B33-812EA60AC0C5}"/>
               </a:ext>
             </a:extLst>
           </p:cNvPr>
@@ -5902,7 +5929,7 @@
           <p:cNvPr id="5" name="Picture 4">
             <a:extLst>
               <a:ext uri="{FF2B5EF4-FFF2-40B4-BE49-F238E27FC236}">
-                <a16:creationId xmlns:a16="http://schemas.microsoft.com/office/drawing/2014/main" id="{AAD6D550-F844-4C84-9668-24FCF3A4B0FA}"/>
+                <a16:creationId xmlns:a16="http://schemas.microsoft.com/office/drawing/2014/main" xmlns="" id="{AAD6D550-F844-4C84-9668-24FCF3A4B0FA}"/>
               </a:ext>
             </a:extLst>
           </p:cNvPr>
@@ -5932,7 +5959,7 @@
           <p:cNvPr id="20" name="TextBox 19">
             <a:extLst>
               <a:ext uri="{FF2B5EF4-FFF2-40B4-BE49-F238E27FC236}">
-                <a16:creationId xmlns:a16="http://schemas.microsoft.com/office/drawing/2014/main" id="{6DC9716B-DE3F-49B9-BC0F-0928B8B020C2}"/>
+                <a16:creationId xmlns:a16="http://schemas.microsoft.com/office/drawing/2014/main" xmlns="" id="{6DC9716B-DE3F-49B9-BC0F-0928B8B020C2}"/>
               </a:ext>
             </a:extLst>
           </p:cNvPr>
@@ -5967,7 +5994,7 @@
           <p:cNvPr id="6" name="Picture 5">
             <a:extLst>
               <a:ext uri="{FF2B5EF4-FFF2-40B4-BE49-F238E27FC236}">
-                <a16:creationId xmlns:a16="http://schemas.microsoft.com/office/drawing/2014/main" id="{F9CD07E4-C4EB-420B-A892-58B496F23189}"/>
+                <a16:creationId xmlns:a16="http://schemas.microsoft.com/office/drawing/2014/main" xmlns="" id="{F9CD07E4-C4EB-420B-A892-58B496F23189}"/>
               </a:ext>
             </a:extLst>
           </p:cNvPr>
@@ -5997,7 +6024,7 @@
           <p:cNvPr id="22" name="TextBox 21">
             <a:extLst>
               <a:ext uri="{FF2B5EF4-FFF2-40B4-BE49-F238E27FC236}">
-                <a16:creationId xmlns:a16="http://schemas.microsoft.com/office/drawing/2014/main" id="{64B3FB62-2774-4936-8BAF-249F3FED8633}"/>
+                <a16:creationId xmlns:a16="http://schemas.microsoft.com/office/drawing/2014/main" xmlns="" id="{64B3FB62-2774-4936-8BAF-249F3FED8633}"/>
               </a:ext>
             </a:extLst>
           </p:cNvPr>
@@ -6032,7 +6059,7 @@
           <p:cNvPr id="23" name="Picture 22">
             <a:extLst>
               <a:ext uri="{FF2B5EF4-FFF2-40B4-BE49-F238E27FC236}">
-                <a16:creationId xmlns:a16="http://schemas.microsoft.com/office/drawing/2014/main" id="{B54467FF-138F-4F52-9326-A64A1CD597FE}"/>
+                <a16:creationId xmlns:a16="http://schemas.microsoft.com/office/drawing/2014/main" xmlns="" id="{B54467FF-138F-4F52-9326-A64A1CD597FE}"/>
               </a:ext>
             </a:extLst>
           </p:cNvPr>
@@ -6067,6 +6094,13 @@
   <p:clrMapOvr>
     <a:masterClrMapping/>
   </p:clrMapOvr>
+  <p:timing>
+    <p:tnLst>
+      <p:par>
+        <p:cTn id="1" dur="indefinite" restart="never" nodeType="tmRoot"/>
+      </p:par>
+    </p:tnLst>
+  </p:timing>
 </p:sld>
 </file>
 
@@ -6092,7 +6126,7 @@
           <p:cNvPr id="2" name="TextBox 1">
             <a:extLst>
               <a:ext uri="{FF2B5EF4-FFF2-40B4-BE49-F238E27FC236}">
-                <a16:creationId xmlns:a16="http://schemas.microsoft.com/office/drawing/2014/main" id="{604FCC24-5774-4D19-AE3C-892BD5CB9036}"/>
+                <a16:creationId xmlns:a16="http://schemas.microsoft.com/office/drawing/2014/main" xmlns="" id="{604FCC24-5774-4D19-AE3C-892BD5CB9036}"/>
               </a:ext>
             </a:extLst>
           </p:cNvPr>
@@ -6130,7 +6164,7 @@
           <p:cNvPr id="4" name="Picture 3" descr="Quadratic programming - MATLAB quadprog - Mozilla Firefox">
             <a:extLst>
               <a:ext uri="{FF2B5EF4-FFF2-40B4-BE49-F238E27FC236}">
-                <a16:creationId xmlns:a16="http://schemas.microsoft.com/office/drawing/2014/main" id="{D6933887-934C-45A6-8909-FCB9C389EE40}"/>
+                <a16:creationId xmlns:a16="http://schemas.microsoft.com/office/drawing/2014/main" xmlns="" id="{D6933887-934C-45A6-8909-FCB9C389EE40}"/>
               </a:ext>
             </a:extLst>
           </p:cNvPr>
@@ -6165,7 +6199,7 @@
           <p:cNvPr id="9" name="Picture 8" descr="Quadratic programming - MATLAB quadprog - Mozilla Firefox">
             <a:extLst>
               <a:ext uri="{FF2B5EF4-FFF2-40B4-BE49-F238E27FC236}">
-                <a16:creationId xmlns:a16="http://schemas.microsoft.com/office/drawing/2014/main" id="{465700A6-2F56-4830-BF2F-02A9A21A9EEC}"/>
+                <a16:creationId xmlns:a16="http://schemas.microsoft.com/office/drawing/2014/main" xmlns="" id="{465700A6-2F56-4830-BF2F-02A9A21A9EEC}"/>
               </a:ext>
             </a:extLst>
           </p:cNvPr>
@@ -6200,7 +6234,7 @@
           <p:cNvPr id="10" name="TextBox 9">
             <a:extLst>
               <a:ext uri="{FF2B5EF4-FFF2-40B4-BE49-F238E27FC236}">
-                <a16:creationId xmlns:a16="http://schemas.microsoft.com/office/drawing/2014/main" id="{C7BCE5D6-52C8-4C8F-91FE-F7B71DBD88E3}"/>
+                <a16:creationId xmlns:a16="http://schemas.microsoft.com/office/drawing/2014/main" xmlns="" id="{C7BCE5D6-52C8-4C8F-91FE-F7B71DBD88E3}"/>
               </a:ext>
             </a:extLst>
           </p:cNvPr>
@@ -6248,6 +6282,13 @@
   <p:clrMapOvr>
     <a:masterClrMapping/>
   </p:clrMapOvr>
+  <p:timing>
+    <p:tnLst>
+      <p:par>
+        <p:cTn id="1" dur="indefinite" restart="never" nodeType="tmRoot"/>
+      </p:par>
+    </p:tnLst>
+  </p:timing>
 </p:sld>
 </file>
 
@@ -6273,7 +6314,7 @@
           <p:cNvPr id="2" name="TextBox 1">
             <a:extLst>
               <a:ext uri="{FF2B5EF4-FFF2-40B4-BE49-F238E27FC236}">
-                <a16:creationId xmlns:a16="http://schemas.microsoft.com/office/drawing/2014/main" id="{604FCC24-5774-4D19-AE3C-892BD5CB9036}"/>
+                <a16:creationId xmlns:a16="http://schemas.microsoft.com/office/drawing/2014/main" xmlns="" id="{604FCC24-5774-4D19-AE3C-892BD5CB9036}"/>
               </a:ext>
             </a:extLst>
           </p:cNvPr>
@@ -6311,7 +6352,7 @@
           <p:cNvPr id="4" name="Picture 3" descr="Quadratic programming - MATLAB quadprog - Mozilla Firefox">
             <a:extLst>
               <a:ext uri="{FF2B5EF4-FFF2-40B4-BE49-F238E27FC236}">
-                <a16:creationId xmlns:a16="http://schemas.microsoft.com/office/drawing/2014/main" id="{D6933887-934C-45A6-8909-FCB9C389EE40}"/>
+                <a16:creationId xmlns:a16="http://schemas.microsoft.com/office/drawing/2014/main" xmlns="" id="{D6933887-934C-45A6-8909-FCB9C389EE40}"/>
               </a:ext>
             </a:extLst>
           </p:cNvPr>
@@ -6346,7 +6387,7 @@
           <p:cNvPr id="6" name="TextBox 5">
             <a:extLst>
               <a:ext uri="{FF2B5EF4-FFF2-40B4-BE49-F238E27FC236}">
-                <a16:creationId xmlns:a16="http://schemas.microsoft.com/office/drawing/2014/main" id="{B5F07024-7C2B-49C1-AEF9-2F733EE56846}"/>
+                <a16:creationId xmlns:a16="http://schemas.microsoft.com/office/drawing/2014/main" xmlns="" id="{B5F07024-7C2B-49C1-AEF9-2F733EE56846}"/>
               </a:ext>
             </a:extLst>
           </p:cNvPr>
@@ -6385,7 +6426,7 @@
           <p:cNvPr id="7" name="Picture 6">
             <a:extLst>
               <a:ext uri="{FF2B5EF4-FFF2-40B4-BE49-F238E27FC236}">
-                <a16:creationId xmlns:a16="http://schemas.microsoft.com/office/drawing/2014/main" id="{7C3A7A6C-979C-48E1-90FB-467803E42F0B}"/>
+                <a16:creationId xmlns:a16="http://schemas.microsoft.com/office/drawing/2014/main" xmlns="" id="{7C3A7A6C-979C-48E1-90FB-467803E42F0B}"/>
               </a:ext>
             </a:extLst>
           </p:cNvPr>
@@ -6415,7 +6456,7 @@
           <p:cNvPr id="8" name="TextBox 7">
             <a:extLst>
               <a:ext uri="{FF2B5EF4-FFF2-40B4-BE49-F238E27FC236}">
-                <a16:creationId xmlns:a16="http://schemas.microsoft.com/office/drawing/2014/main" id="{262D770D-EE0E-43A1-B95D-9581657CF997}"/>
+                <a16:creationId xmlns:a16="http://schemas.microsoft.com/office/drawing/2014/main" xmlns="" id="{262D770D-EE0E-43A1-B95D-9581657CF997}"/>
               </a:ext>
             </a:extLst>
           </p:cNvPr>
@@ -6458,7 +6499,7 @@
           <p:cNvPr id="5" name="Straight Connector 4">
             <a:extLst>
               <a:ext uri="{FF2B5EF4-FFF2-40B4-BE49-F238E27FC236}">
-                <a16:creationId xmlns:a16="http://schemas.microsoft.com/office/drawing/2014/main" id="{A5FCD1CA-5F54-4C1A-B050-285AB0B52B00}"/>
+                <a16:creationId xmlns:a16="http://schemas.microsoft.com/office/drawing/2014/main" xmlns="" id="{A5FCD1CA-5F54-4C1A-B050-285AB0B52B00}"/>
               </a:ext>
             </a:extLst>
           </p:cNvPr>
@@ -6500,6 +6541,13 @@
   <p:clrMapOvr>
     <a:masterClrMapping/>
   </p:clrMapOvr>
+  <p:timing>
+    <p:tnLst>
+      <p:par>
+        <p:cTn id="1" dur="indefinite" restart="never" nodeType="tmRoot"/>
+      </p:par>
+    </p:tnLst>
+  </p:timing>
 </p:sld>
 </file>
 
@@ -6525,7 +6573,7 @@
           <p:cNvPr id="2" name="TextBox 1">
             <a:extLst>
               <a:ext uri="{FF2B5EF4-FFF2-40B4-BE49-F238E27FC236}">
-                <a16:creationId xmlns:a16="http://schemas.microsoft.com/office/drawing/2014/main" id="{604FCC24-5774-4D19-AE3C-892BD5CB9036}"/>
+                <a16:creationId xmlns:a16="http://schemas.microsoft.com/office/drawing/2014/main" xmlns="" id="{604FCC24-5774-4D19-AE3C-892BD5CB9036}"/>
               </a:ext>
             </a:extLst>
           </p:cNvPr>
@@ -6563,7 +6611,7 @@
           <p:cNvPr id="4" name="Picture 3" descr="Quadratic programming - MATLAB quadprog - Mozilla Firefox">
             <a:extLst>
               <a:ext uri="{FF2B5EF4-FFF2-40B4-BE49-F238E27FC236}">
-                <a16:creationId xmlns:a16="http://schemas.microsoft.com/office/drawing/2014/main" id="{D6933887-934C-45A6-8909-FCB9C389EE40}"/>
+                <a16:creationId xmlns:a16="http://schemas.microsoft.com/office/drawing/2014/main" xmlns="" id="{D6933887-934C-45A6-8909-FCB9C389EE40}"/>
               </a:ext>
             </a:extLst>
           </p:cNvPr>
@@ -6598,7 +6646,7 @@
           <p:cNvPr id="7" name="Picture 6">
             <a:extLst>
               <a:ext uri="{FF2B5EF4-FFF2-40B4-BE49-F238E27FC236}">
-                <a16:creationId xmlns:a16="http://schemas.microsoft.com/office/drawing/2014/main" id="{7C3A7A6C-979C-48E1-90FB-467803E42F0B}"/>
+                <a16:creationId xmlns:a16="http://schemas.microsoft.com/office/drawing/2014/main" xmlns="" id="{7C3A7A6C-979C-48E1-90FB-467803E42F0B}"/>
               </a:ext>
             </a:extLst>
           </p:cNvPr>
@@ -6628,7 +6676,7 @@
           <p:cNvPr id="10" name="Straight Connector 9">
             <a:extLst>
               <a:ext uri="{FF2B5EF4-FFF2-40B4-BE49-F238E27FC236}">
-                <a16:creationId xmlns:a16="http://schemas.microsoft.com/office/drawing/2014/main" id="{FB4922F5-9126-4B50-95A7-32041F6F9089}"/>
+                <a16:creationId xmlns:a16="http://schemas.microsoft.com/office/drawing/2014/main" xmlns="" id="{FB4922F5-9126-4B50-95A7-32041F6F9089}"/>
               </a:ext>
             </a:extLst>
           </p:cNvPr>
@@ -6665,7 +6713,7 @@
           <p:cNvPr id="11" name="Straight Connector 10">
             <a:extLst>
               <a:ext uri="{FF2B5EF4-FFF2-40B4-BE49-F238E27FC236}">
-                <a16:creationId xmlns:a16="http://schemas.microsoft.com/office/drawing/2014/main" id="{B55F45A7-6CCE-477D-B83B-27A5F2D8E578}"/>
+                <a16:creationId xmlns:a16="http://schemas.microsoft.com/office/drawing/2014/main" xmlns="" id="{B55F45A7-6CCE-477D-B83B-27A5F2D8E578}"/>
               </a:ext>
             </a:extLst>
           </p:cNvPr>
@@ -6702,7 +6750,7 @@
           <p:cNvPr id="12" name="TextBox 11">
             <a:extLst>
               <a:ext uri="{FF2B5EF4-FFF2-40B4-BE49-F238E27FC236}">
-                <a16:creationId xmlns:a16="http://schemas.microsoft.com/office/drawing/2014/main" id="{A598CF8E-62F6-4CA8-84B2-3117928A8254}"/>
+                <a16:creationId xmlns:a16="http://schemas.microsoft.com/office/drawing/2014/main" xmlns="" id="{A598CF8E-62F6-4CA8-84B2-3117928A8254}"/>
               </a:ext>
             </a:extLst>
           </p:cNvPr>
@@ -6742,6 +6790,13 @@
   <p:clrMapOvr>
     <a:masterClrMapping/>
   </p:clrMapOvr>
+  <p:timing>
+    <p:tnLst>
+      <p:par>
+        <p:cTn id="1" dur="indefinite" restart="never" nodeType="tmRoot"/>
+      </p:par>
+    </p:tnLst>
+  </p:timing>
 </p:sld>
 </file>
 
@@ -6767,7 +6822,7 @@
           <p:cNvPr id="2" name="TextBox 1">
             <a:extLst>
               <a:ext uri="{FF2B5EF4-FFF2-40B4-BE49-F238E27FC236}">
-                <a16:creationId xmlns:a16="http://schemas.microsoft.com/office/drawing/2014/main" id="{604FCC24-5774-4D19-AE3C-892BD5CB9036}"/>
+                <a16:creationId xmlns:a16="http://schemas.microsoft.com/office/drawing/2014/main" xmlns="" id="{604FCC24-5774-4D19-AE3C-892BD5CB9036}"/>
               </a:ext>
             </a:extLst>
           </p:cNvPr>
@@ -6805,7 +6860,7 @@
           <p:cNvPr id="13" name="Picture 12" descr="Quadratic programming - MATLAB quadprog - Mozilla Firefox">
             <a:extLst>
               <a:ext uri="{FF2B5EF4-FFF2-40B4-BE49-F238E27FC236}">
-                <a16:creationId xmlns:a16="http://schemas.microsoft.com/office/drawing/2014/main" id="{DFCFCB19-8F6F-4E99-98F4-0CF452FB970F}"/>
+                <a16:creationId xmlns:a16="http://schemas.microsoft.com/office/drawing/2014/main" xmlns="" id="{DFCFCB19-8F6F-4E99-98F4-0CF452FB970F}"/>
               </a:ext>
             </a:extLst>
           </p:cNvPr>
@@ -6840,7 +6895,7 @@
           <p:cNvPr id="14" name="Picture 13">
             <a:extLst>
               <a:ext uri="{FF2B5EF4-FFF2-40B4-BE49-F238E27FC236}">
-                <a16:creationId xmlns:a16="http://schemas.microsoft.com/office/drawing/2014/main" id="{B4690353-54B4-4EC6-8BA0-5757DA82DA17}"/>
+                <a16:creationId xmlns:a16="http://schemas.microsoft.com/office/drawing/2014/main" xmlns="" id="{B4690353-54B4-4EC6-8BA0-5757DA82DA17}"/>
               </a:ext>
             </a:extLst>
           </p:cNvPr>
@@ -6870,7 +6925,7 @@
           <p:cNvPr id="6" name="Rectangle 5">
             <a:extLst>
               <a:ext uri="{FF2B5EF4-FFF2-40B4-BE49-F238E27FC236}">
-                <a16:creationId xmlns:a16="http://schemas.microsoft.com/office/drawing/2014/main" id="{3AD3B719-4624-40BC-B4D0-78DD46937BE5}"/>
+                <a16:creationId xmlns:a16="http://schemas.microsoft.com/office/drawing/2014/main" xmlns="" id="{3AD3B719-4624-40BC-B4D0-78DD46937BE5}"/>
               </a:ext>
             </a:extLst>
           </p:cNvPr>
@@ -6918,7 +6973,7 @@
           <p:cNvPr id="15" name="TextBox 14">
             <a:extLst>
               <a:ext uri="{FF2B5EF4-FFF2-40B4-BE49-F238E27FC236}">
-                <a16:creationId xmlns:a16="http://schemas.microsoft.com/office/drawing/2014/main" id="{F57B1E15-7CE9-457A-B1AE-F3D1C8092F40}"/>
+                <a16:creationId xmlns:a16="http://schemas.microsoft.com/office/drawing/2014/main" xmlns="" id="{F57B1E15-7CE9-457A-B1AE-F3D1C8092F40}"/>
               </a:ext>
             </a:extLst>
           </p:cNvPr>
@@ -6966,6 +7021,13 @@
   <p:clrMapOvr>
     <a:masterClrMapping/>
   </p:clrMapOvr>
+  <p:timing>
+    <p:tnLst>
+      <p:par>
+        <p:cTn id="1" dur="indefinite" restart="never" nodeType="tmRoot"/>
+      </p:par>
+    </p:tnLst>
+  </p:timing>
 </p:sld>
 </file>
 
@@ -6991,7 +7053,7 @@
           <p:cNvPr id="2" name="TextBox 1">
             <a:extLst>
               <a:ext uri="{FF2B5EF4-FFF2-40B4-BE49-F238E27FC236}">
-                <a16:creationId xmlns:a16="http://schemas.microsoft.com/office/drawing/2014/main" id="{604FCC24-5774-4D19-AE3C-892BD5CB9036}"/>
+                <a16:creationId xmlns:a16="http://schemas.microsoft.com/office/drawing/2014/main" xmlns="" id="{604FCC24-5774-4D19-AE3C-892BD5CB9036}"/>
               </a:ext>
             </a:extLst>
           </p:cNvPr>
@@ -7061,7 +7123,7 @@
           <p:cNvPr id="13" name="Picture 12" descr="Quadratic programming - MATLAB quadprog - Mozilla Firefox">
             <a:extLst>
               <a:ext uri="{FF2B5EF4-FFF2-40B4-BE49-F238E27FC236}">
-                <a16:creationId xmlns:a16="http://schemas.microsoft.com/office/drawing/2014/main" id="{DFCFCB19-8F6F-4E99-98F4-0CF452FB970F}"/>
+                <a16:creationId xmlns:a16="http://schemas.microsoft.com/office/drawing/2014/main" xmlns="" id="{DFCFCB19-8F6F-4E99-98F4-0CF452FB970F}"/>
               </a:ext>
             </a:extLst>
           </p:cNvPr>
@@ -7096,7 +7158,7 @@
           <p:cNvPr id="7" name="TextBox 6">
             <a:extLst>
               <a:ext uri="{FF2B5EF4-FFF2-40B4-BE49-F238E27FC236}">
-                <a16:creationId xmlns:a16="http://schemas.microsoft.com/office/drawing/2014/main" id="{A00ADC71-C3A6-48E4-90FB-3B178670E246}"/>
+                <a16:creationId xmlns:a16="http://schemas.microsoft.com/office/drawing/2014/main" xmlns="" id="{A00ADC71-C3A6-48E4-90FB-3B178670E246}"/>
               </a:ext>
             </a:extLst>
           </p:cNvPr>
@@ -7131,7 +7193,7 @@
           <p:cNvPr id="8" name="Picture 7">
             <a:extLst>
               <a:ext uri="{FF2B5EF4-FFF2-40B4-BE49-F238E27FC236}">
-                <a16:creationId xmlns:a16="http://schemas.microsoft.com/office/drawing/2014/main" id="{25184AEF-5031-4B66-AA41-2EB73D5D70DA}"/>
+                <a16:creationId xmlns:a16="http://schemas.microsoft.com/office/drawing/2014/main" xmlns="" id="{25184AEF-5031-4B66-AA41-2EB73D5D70DA}"/>
               </a:ext>
             </a:extLst>
           </p:cNvPr>
@@ -7166,6 +7228,13 @@
   <p:clrMapOvr>
     <a:masterClrMapping/>
   </p:clrMapOvr>
+  <p:timing>
+    <p:tnLst>
+      <p:par>
+        <p:cTn id="1" dur="indefinite" restart="never" nodeType="tmRoot"/>
+      </p:par>
+    </p:tnLst>
+  </p:timing>
 </p:sld>
 </file>
 
@@ -7191,7 +7260,7 @@
           <p:cNvPr id="2" name="TextBox 1">
             <a:extLst>
               <a:ext uri="{FF2B5EF4-FFF2-40B4-BE49-F238E27FC236}">
-                <a16:creationId xmlns:a16="http://schemas.microsoft.com/office/drawing/2014/main" id="{604FCC24-5774-4D19-AE3C-892BD5CB9036}"/>
+                <a16:creationId xmlns:a16="http://schemas.microsoft.com/office/drawing/2014/main" xmlns="" id="{604FCC24-5774-4D19-AE3C-892BD5CB9036}"/>
               </a:ext>
             </a:extLst>
           </p:cNvPr>
@@ -7222,7 +7291,7 @@
               <a:t>Hint #6: The input </a:t>
             </a:r>
             <a:r>
-              <a:rPr lang="en-US" sz="2800" dirty="0" err="1">
+              <a:rPr lang="en-US" sz="2800" dirty="0" err="1" smtClean="0">
                 <a:solidFill>
                   <a:srgbClr val="002060"/>
                 </a:solidFill>
@@ -7230,29 +7299,18 @@
               <a:t>lb</a:t>
             </a:r>
             <a:r>
-              <a:rPr lang="en-US" sz="2800" dirty="0">
+              <a:rPr lang="en-US" sz="2800" dirty="0" smtClean="0">
                 <a:solidFill>
                   <a:srgbClr val="002060"/>
                 </a:solidFill>
               </a:rPr>
-              <a:t> (a </a:t>
-            </a:r>
-            <a:r>
-              <a:rPr lang="en-US" sz="2800" dirty="0" err="1">
-                <a:solidFill>
-                  <a:srgbClr val="002060"/>
-                </a:solidFill>
-              </a:rPr>
-              <a:t>ub</a:t>
-            </a:r>
-            <a:r>
-              <a:rPr lang="en-US" sz="2800" dirty="0">
-                <a:solidFill>
-                  <a:srgbClr val="002060"/>
-                </a:solidFill>
-              </a:rPr>
-              <a:t> hint might be added later). </a:t>
-            </a:r>
+              <a:t> </a:t>
+            </a:r>
+            <a:endParaRPr lang="en-US" sz="2800" dirty="0">
+              <a:solidFill>
+                <a:srgbClr val="002060"/>
+              </a:solidFill>
+            </a:endParaRPr>
           </a:p>
         </p:txBody>
       </p:sp>
@@ -7261,7 +7319,7 @@
           <p:cNvPr id="13" name="Picture 12" descr="Quadratic programming - MATLAB quadprog - Mozilla Firefox">
             <a:extLst>
               <a:ext uri="{FF2B5EF4-FFF2-40B4-BE49-F238E27FC236}">
-                <a16:creationId xmlns:a16="http://schemas.microsoft.com/office/drawing/2014/main" id="{DFCFCB19-8F6F-4E99-98F4-0CF452FB970F}"/>
+                <a16:creationId xmlns:a16="http://schemas.microsoft.com/office/drawing/2014/main" xmlns="" id="{DFCFCB19-8F6F-4E99-98F4-0CF452FB970F}"/>
               </a:ext>
             </a:extLst>
           </p:cNvPr>
@@ -7296,7 +7354,7 @@
           <p:cNvPr id="7" name="TextBox 6">
             <a:extLst>
               <a:ext uri="{FF2B5EF4-FFF2-40B4-BE49-F238E27FC236}">
-                <a16:creationId xmlns:a16="http://schemas.microsoft.com/office/drawing/2014/main" id="{A00ADC71-C3A6-48E4-90FB-3B178670E246}"/>
+                <a16:creationId xmlns:a16="http://schemas.microsoft.com/office/drawing/2014/main" xmlns="" id="{A00ADC71-C3A6-48E4-90FB-3B178670E246}"/>
               </a:ext>
             </a:extLst>
           </p:cNvPr>
@@ -7332,6 +7390,83 @@
             <a:endParaRPr lang="en-US" sz="2200" dirty="0"/>
           </a:p>
           <a:p>
+            <a:endParaRPr lang="en-US" sz="2200" dirty="0"/>
+          </a:p>
+        </p:txBody>
+      </p:sp>
+      <p:sp>
+        <p:nvSpPr>
+          <p:cNvPr id="3" name="Rectangle 2"/>
+          <p:cNvSpPr/>
+          <p:nvPr/>
+        </p:nvSpPr>
+        <p:spPr>
+          <a:xfrm>
+            <a:off x="459915" y="3173349"/>
+            <a:ext cx="6921960" cy="1446550"/>
+          </a:xfrm>
+          <a:prstGeom prst="rect">
+            <a:avLst/>
+          </a:prstGeom>
+        </p:spPr>
+        <p:txBody>
+          <a:bodyPr wrap="square">
+            <a:spAutoFit/>
+          </a:bodyPr>
+          <a:lstStyle/>
+          <a:p>
+            <a:r>
+              <a:rPr lang="en-US" sz="2200" dirty="0" smtClean="0"/>
+              <a:t>Two options will be considered acceptable for </a:t>
+            </a:r>
+            <a:r>
+              <a:rPr lang="en-US" sz="2200" dirty="0" err="1" smtClean="0"/>
+              <a:t>ub</a:t>
+            </a:r>
+            <a:r>
+              <a:rPr lang="en-US" sz="2200" dirty="0" smtClean="0"/>
+              <a:t>: </a:t>
+            </a:r>
+          </a:p>
+          <a:p>
+            <a:r>
+              <a:rPr lang="en-US" sz="2200" dirty="0" smtClean="0"/>
+              <a:t>[ ] (leave it empty)</a:t>
+            </a:r>
+          </a:p>
+          <a:p>
+            <a:r>
+              <a:rPr lang="en-US" sz="2200" dirty="0" smtClean="0"/>
+              <a:t>C </a:t>
+            </a:r>
+            <a:r>
+              <a:rPr lang="en-US" sz="2200" dirty="0"/>
+              <a:t>* ones(</a:t>
+            </a:r>
+            <a:r>
+              <a:rPr lang="en-US" sz="2200" dirty="0" err="1"/>
+              <a:t>num_train</a:t>
+            </a:r>
+            <a:r>
+              <a:rPr lang="en-US" sz="2200" dirty="0"/>
+              <a:t>, 1) </a:t>
+            </a:r>
+            <a:r>
+              <a:rPr lang="en-US" sz="2200" dirty="0" smtClean="0"/>
+              <a:t>  (vector consisting of the C value submitted to the </a:t>
+            </a:r>
+            <a:r>
+              <a:rPr lang="en-US" sz="2200" dirty="0"/>
+              <a:t>outer </a:t>
+            </a:r>
+            <a:r>
+              <a:rPr lang="en-US" sz="2200" dirty="0" err="1" smtClean="0"/>
+              <a:t>svm_quadprog</a:t>
+            </a:r>
+            <a:r>
+              <a:rPr lang="en-US" sz="2200" dirty="0" smtClean="0"/>
+              <a:t> function)</a:t>
+            </a:r>
             <a:endParaRPr lang="en-US" sz="2200" dirty="0"/>
           </a:p>
         </p:txBody>
@@ -7346,6 +7481,13 @@
   <p:clrMapOvr>
     <a:masterClrMapping/>
   </p:clrMapOvr>
+  <p:timing>
+    <p:tnLst>
+      <p:par>
+        <p:cTn id="1" dur="indefinite" restart="never" nodeType="tmRoot"/>
+      </p:par>
+    </p:tnLst>
+  </p:timing>
 </p:sld>
 </file>
 
@@ -7371,7 +7513,7 @@
           <p:cNvPr id="2" name="TextBox 1">
             <a:extLst>
               <a:ext uri="{FF2B5EF4-FFF2-40B4-BE49-F238E27FC236}">
-                <a16:creationId xmlns:a16="http://schemas.microsoft.com/office/drawing/2014/main" id="{604FCC24-5774-4D19-AE3C-892BD5CB9036}"/>
+                <a16:creationId xmlns:a16="http://schemas.microsoft.com/office/drawing/2014/main" xmlns="" id="{604FCC24-5774-4D19-AE3C-892BD5CB9036}"/>
               </a:ext>
             </a:extLst>
           </p:cNvPr>
@@ -7414,6 +7556,13 @@
   <p:clrMapOvr>
     <a:masterClrMapping/>
   </p:clrMapOvr>
+  <p:timing>
+    <p:tnLst>
+      <p:par>
+        <p:cTn id="1" dur="indefinite" restart="never" nodeType="tmRoot"/>
+      </p:par>
+    </p:tnLst>
+  </p:timing>
 </p:sld>
 </file>
 
@@ -7621,6 +7770,13 @@
   <p:clrMapOvr>
     <a:masterClrMapping/>
   </p:clrMapOvr>
+  <p:timing>
+    <p:tnLst>
+      <p:par>
+        <p:cTn id="1" dur="indefinite" restart="never" nodeType="tmRoot"/>
+      </p:par>
+    </p:tnLst>
+  </p:timing>
 </p:sld>
 </file>
 
@@ -7646,7 +7802,7 @@
           <p:cNvPr id="2" name="TextBox 1">
             <a:extLst>
               <a:ext uri="{FF2B5EF4-FFF2-40B4-BE49-F238E27FC236}">
-                <a16:creationId xmlns:a16="http://schemas.microsoft.com/office/drawing/2014/main" id="{604FCC24-5774-4D19-AE3C-892BD5CB9036}"/>
+                <a16:creationId xmlns:a16="http://schemas.microsoft.com/office/drawing/2014/main" xmlns="" id="{604FCC24-5774-4D19-AE3C-892BD5CB9036}"/>
               </a:ext>
             </a:extLst>
           </p:cNvPr>
@@ -7689,7 +7845,7 @@
           <p:cNvPr id="4" name="Picture 3">
             <a:extLst>
               <a:ext uri="{FF2B5EF4-FFF2-40B4-BE49-F238E27FC236}">
-                <a16:creationId xmlns:a16="http://schemas.microsoft.com/office/drawing/2014/main" id="{F0B874BC-5765-4579-8F6F-59B6BDF60DE7}"/>
+                <a16:creationId xmlns:a16="http://schemas.microsoft.com/office/drawing/2014/main" xmlns="" id="{F0B874BC-5765-4579-8F6F-59B6BDF60DE7}"/>
               </a:ext>
             </a:extLst>
           </p:cNvPr>
@@ -7718,7 +7874,7 @@
           <p:cNvPr id="5" name="TextBox 4">
             <a:extLst>
               <a:ext uri="{FF2B5EF4-FFF2-40B4-BE49-F238E27FC236}">
-                <a16:creationId xmlns:a16="http://schemas.microsoft.com/office/drawing/2014/main" id="{DFC2E9E1-A3F6-4AA8-8C9A-9F3695FBB261}"/>
+                <a16:creationId xmlns:a16="http://schemas.microsoft.com/office/drawing/2014/main" xmlns="" id="{DFC2E9E1-A3F6-4AA8-8C9A-9F3695FBB261}"/>
               </a:ext>
             </a:extLst>
           </p:cNvPr>
@@ -7763,7 +7919,7 @@
           <p:cNvPr id="31" name="TextBox 30">
             <a:extLst>
               <a:ext uri="{FF2B5EF4-FFF2-40B4-BE49-F238E27FC236}">
-                <a16:creationId xmlns:a16="http://schemas.microsoft.com/office/drawing/2014/main" id="{07A69552-D889-4FE7-A940-160B95A6EBFB}"/>
+                <a16:creationId xmlns:a16="http://schemas.microsoft.com/office/drawing/2014/main" xmlns="" id="{07A69552-D889-4FE7-A940-160B95A6EBFB}"/>
               </a:ext>
             </a:extLst>
           </p:cNvPr>
@@ -7835,6 +7991,13 @@
   <p:clrMapOvr>
     <a:masterClrMapping/>
   </p:clrMapOvr>
+  <p:timing>
+    <p:tnLst>
+      <p:par>
+        <p:cTn id="1" dur="indefinite" restart="never" nodeType="tmRoot"/>
+      </p:par>
+    </p:tnLst>
+  </p:timing>
 </p:sld>
 </file>
 
@@ -8080,6 +8243,13 @@
   <p:clrMapOvr>
     <a:masterClrMapping/>
   </p:clrMapOvr>
+  <p:timing>
+    <p:tnLst>
+      <p:par>
+        <p:cTn id="1" dur="indefinite" restart="never" nodeType="tmRoot"/>
+      </p:par>
+    </p:tnLst>
+  </p:timing>
 </p:sld>
 </file>
 
@@ -8306,7 +8476,7 @@
           <p:cNvPr id="6" name="TextBox 5">
             <a:extLst>
               <a:ext uri="{FF2B5EF4-FFF2-40B4-BE49-F238E27FC236}">
-                <a16:creationId xmlns:a16="http://schemas.microsoft.com/office/drawing/2014/main" id="{748FAB66-ED3A-4A55-BF7B-7C60EBE78440}"/>
+                <a16:creationId xmlns:a16="http://schemas.microsoft.com/office/drawing/2014/main" xmlns="" id="{748FAB66-ED3A-4A55-BF7B-7C60EBE78440}"/>
               </a:ext>
             </a:extLst>
           </p:cNvPr>
@@ -8377,7 +8547,7 @@
           <p:cNvPr id="3" name="Picture 2">
             <a:extLst>
               <a:ext uri="{FF2B5EF4-FFF2-40B4-BE49-F238E27FC236}">
-                <a16:creationId xmlns:a16="http://schemas.microsoft.com/office/drawing/2014/main" id="{3CA9F015-9E25-47EA-A011-CE1DB4BB0528}"/>
+                <a16:creationId xmlns:a16="http://schemas.microsoft.com/office/drawing/2014/main" xmlns="" id="{3CA9F015-9E25-47EA-A011-CE1DB4BB0528}"/>
               </a:ext>
             </a:extLst>
           </p:cNvPr>
@@ -8407,7 +8577,7 @@
           <p:cNvPr id="8" name="Straight Arrow Connector 7">
             <a:extLst>
               <a:ext uri="{FF2B5EF4-FFF2-40B4-BE49-F238E27FC236}">
-                <a16:creationId xmlns:a16="http://schemas.microsoft.com/office/drawing/2014/main" id="{A4D1B72C-0E2C-410E-B2A7-AA2002CEDCF1}"/>
+                <a16:creationId xmlns:a16="http://schemas.microsoft.com/office/drawing/2014/main" xmlns="" id="{A4D1B72C-0E2C-410E-B2A7-AA2002CEDCF1}"/>
               </a:ext>
             </a:extLst>
           </p:cNvPr>
@@ -8453,7 +8623,7 @@
           <p:cNvPr id="11" name="TextBox 10">
             <a:extLst>
               <a:ext uri="{FF2B5EF4-FFF2-40B4-BE49-F238E27FC236}">
-                <a16:creationId xmlns:a16="http://schemas.microsoft.com/office/drawing/2014/main" id="{C59FCB0E-7FA6-457A-BBE6-FDC74FD05722}"/>
+                <a16:creationId xmlns:a16="http://schemas.microsoft.com/office/drawing/2014/main" xmlns="" id="{C59FCB0E-7FA6-457A-BBE6-FDC74FD05722}"/>
               </a:ext>
             </a:extLst>
           </p:cNvPr>
@@ -8497,6 +8667,13 @@
   <p:clrMapOvr>
     <a:masterClrMapping/>
   </p:clrMapOvr>
+  <p:timing>
+    <p:tnLst>
+      <p:par>
+        <p:cTn id="1" dur="indefinite" restart="never" nodeType="tmRoot"/>
+      </p:par>
+    </p:tnLst>
+  </p:timing>
 </p:sld>
 </file>
 
@@ -8650,7 +8827,7 @@
               <p:cNvPr id="3" name="TextBox 2">
                 <a:extLst>
                   <a:ext uri="{FF2B5EF4-FFF2-40B4-BE49-F238E27FC236}">
-                    <a16:creationId xmlns:a16="http://schemas.microsoft.com/office/drawing/2014/main" id="{AC698642-D6AB-4E7C-A95E-881923E569CB}"/>
+                    <a16:creationId xmlns:a16="http://schemas.microsoft.com/office/drawing/2014/main" xmlns="" id="{AC698642-D6AB-4E7C-A95E-881923E569CB}"/>
                   </a:ext>
                 </a:extLst>
               </p:cNvPr>
@@ -8988,7 +9165,7 @@
           <p:cNvPr id="12" name="Group 11">
             <a:extLst>
               <a:ext uri="{FF2B5EF4-FFF2-40B4-BE49-F238E27FC236}">
-                <a16:creationId xmlns:a16="http://schemas.microsoft.com/office/drawing/2014/main" id="{F537BC08-70E9-4CE3-A62E-D8C4D185496A}"/>
+                <a16:creationId xmlns:a16="http://schemas.microsoft.com/office/drawing/2014/main" xmlns="" id="{F537BC08-70E9-4CE3-A62E-D8C4D185496A}"/>
               </a:ext>
             </a:extLst>
           </p:cNvPr>
@@ -9008,7 +9185,7 @@
             <p:cNvPr id="7" name="TextBox 6">
               <a:extLst>
                 <a:ext uri="{FF2B5EF4-FFF2-40B4-BE49-F238E27FC236}">
-                  <a16:creationId xmlns:a16="http://schemas.microsoft.com/office/drawing/2014/main" id="{7F6615D4-082B-4EA2-9581-47FCA3E54193}"/>
+                  <a16:creationId xmlns:a16="http://schemas.microsoft.com/office/drawing/2014/main" xmlns="" id="{7F6615D4-082B-4EA2-9581-47FCA3E54193}"/>
                 </a:ext>
               </a:extLst>
             </p:cNvPr>
@@ -9050,7 +9227,7 @@
             <p:cNvPr id="6" name="TextBox 5">
               <a:extLst>
                 <a:ext uri="{FF2B5EF4-FFF2-40B4-BE49-F238E27FC236}">
-                  <a16:creationId xmlns:a16="http://schemas.microsoft.com/office/drawing/2014/main" id="{0F34E14E-C3AD-4C36-92CA-633E97AD2DBE}"/>
+                  <a16:creationId xmlns:a16="http://schemas.microsoft.com/office/drawing/2014/main" xmlns="" id="{0F34E14E-C3AD-4C36-92CA-633E97AD2DBE}"/>
                 </a:ext>
               </a:extLst>
             </p:cNvPr>
@@ -9133,7 +9310,7 @@
             <p:cNvPr id="11" name="Picture 10" descr="Transpose - Wikipedia - Mozilla Firefox">
               <a:extLst>
                 <a:ext uri="{FF2B5EF4-FFF2-40B4-BE49-F238E27FC236}">
-                  <a16:creationId xmlns:a16="http://schemas.microsoft.com/office/drawing/2014/main" id="{9FDD314E-8DB3-4D86-9BF5-8DDD5ED2FE61}"/>
+                  <a16:creationId xmlns:a16="http://schemas.microsoft.com/office/drawing/2014/main" xmlns="" id="{9FDD314E-8DB3-4D86-9BF5-8DDD5ED2FE61}"/>
                 </a:ext>
               </a:extLst>
             </p:cNvPr>
@@ -9359,6 +9536,13 @@
   <p:clrMapOvr>
     <a:masterClrMapping/>
   </p:clrMapOvr>
+  <p:timing>
+    <p:tnLst>
+      <p:par>
+        <p:cTn id="1" dur="indefinite" restart="never" nodeType="tmRoot"/>
+      </p:par>
+    </p:tnLst>
+  </p:timing>
 </p:sld>
 </file>
 
@@ -9416,7 +9600,7 @@
           <p:cNvPr id="2" name="Picture 1">
             <a:extLst>
               <a:ext uri="{FF2B5EF4-FFF2-40B4-BE49-F238E27FC236}">
-                <a16:creationId xmlns:a16="http://schemas.microsoft.com/office/drawing/2014/main" id="{EABDA5A3-2103-42B6-85A9-FCB2F1AA100A}"/>
+                <a16:creationId xmlns:a16="http://schemas.microsoft.com/office/drawing/2014/main" xmlns="" id="{EABDA5A3-2103-42B6-85A9-FCB2F1AA100A}"/>
               </a:ext>
             </a:extLst>
           </p:cNvPr>
@@ -9451,6 +9635,13 @@
   <p:clrMapOvr>
     <a:masterClrMapping/>
   </p:clrMapOvr>
+  <p:timing>
+    <p:tnLst>
+      <p:par>
+        <p:cTn id="1" dur="indefinite" restart="never" nodeType="tmRoot"/>
+      </p:par>
+    </p:tnLst>
+  </p:timing>
 </p:sld>
 </file>
 
@@ -9476,7 +9667,7 @@
           <p:cNvPr id="2" name="TextBox 1">
             <a:extLst>
               <a:ext uri="{FF2B5EF4-FFF2-40B4-BE49-F238E27FC236}">
-                <a16:creationId xmlns:a16="http://schemas.microsoft.com/office/drawing/2014/main" id="{604FCC24-5774-4D19-AE3C-892BD5CB9036}"/>
+                <a16:creationId xmlns:a16="http://schemas.microsoft.com/office/drawing/2014/main" xmlns="" id="{604FCC24-5774-4D19-AE3C-892BD5CB9036}"/>
               </a:ext>
             </a:extLst>
           </p:cNvPr>
@@ -9527,7 +9718,7 @@
           <p:cNvPr id="3" name="Group 2">
             <a:extLst>
               <a:ext uri="{FF2B5EF4-FFF2-40B4-BE49-F238E27FC236}">
-                <a16:creationId xmlns:a16="http://schemas.microsoft.com/office/drawing/2014/main" id="{CE464BD9-5310-42F6-A7C4-93F1F61D4D24}"/>
+                <a16:creationId xmlns:a16="http://schemas.microsoft.com/office/drawing/2014/main" xmlns="" id="{CE464BD9-5310-42F6-A7C4-93F1F61D4D24}"/>
               </a:ext>
             </a:extLst>
           </p:cNvPr>
@@ -9547,7 +9738,7 @@
             <p:cNvPr id="21" name="TextBox 20">
               <a:extLst>
                 <a:ext uri="{FF2B5EF4-FFF2-40B4-BE49-F238E27FC236}">
-                  <a16:creationId xmlns:a16="http://schemas.microsoft.com/office/drawing/2014/main" id="{21423D16-E797-416E-8FCF-A743D2F430FE}"/>
+                  <a16:creationId xmlns:a16="http://schemas.microsoft.com/office/drawing/2014/main" xmlns="" id="{21423D16-E797-416E-8FCF-A743D2F430FE}"/>
                 </a:ext>
               </a:extLst>
             </p:cNvPr>
@@ -9583,7 +9774,7 @@
             <p:cNvPr id="31" name="Picture 30">
               <a:extLst>
                 <a:ext uri="{FF2B5EF4-FFF2-40B4-BE49-F238E27FC236}">
-                  <a16:creationId xmlns:a16="http://schemas.microsoft.com/office/drawing/2014/main" id="{541970E9-3BD4-4077-B6F0-CBCE53AD616B}"/>
+                  <a16:creationId xmlns:a16="http://schemas.microsoft.com/office/drawing/2014/main" xmlns="" id="{541970E9-3BD4-4077-B6F0-CBCE53AD616B}"/>
                 </a:ext>
               </a:extLst>
             </p:cNvPr>
@@ -9613,7 +9804,7 @@
           <p:cNvPr id="13" name="Group 12">
             <a:extLst>
               <a:ext uri="{FF2B5EF4-FFF2-40B4-BE49-F238E27FC236}">
-                <a16:creationId xmlns:a16="http://schemas.microsoft.com/office/drawing/2014/main" id="{625C22DD-32D6-405A-BF71-7BFA483AA6D8}"/>
+                <a16:creationId xmlns:a16="http://schemas.microsoft.com/office/drawing/2014/main" xmlns="" id="{625C22DD-32D6-405A-BF71-7BFA483AA6D8}"/>
               </a:ext>
             </a:extLst>
           </p:cNvPr>
@@ -9633,7 +9824,7 @@
             <p:cNvPr id="32" name="TextBox 31">
               <a:extLst>
                 <a:ext uri="{FF2B5EF4-FFF2-40B4-BE49-F238E27FC236}">
-                  <a16:creationId xmlns:a16="http://schemas.microsoft.com/office/drawing/2014/main" id="{AD525247-3C34-442D-86FE-62B6EC5F7910}"/>
+                  <a16:creationId xmlns:a16="http://schemas.microsoft.com/office/drawing/2014/main" xmlns="" id="{AD525247-3C34-442D-86FE-62B6EC5F7910}"/>
                 </a:ext>
               </a:extLst>
             </p:cNvPr>
@@ -9676,7 +9867,7 @@
             <p:cNvPr id="10" name="Picture 9">
               <a:extLst>
                 <a:ext uri="{FF2B5EF4-FFF2-40B4-BE49-F238E27FC236}">
-                  <a16:creationId xmlns:a16="http://schemas.microsoft.com/office/drawing/2014/main" id="{AD2927ED-FCF9-42EC-9C97-CE6279117E5D}"/>
+                  <a16:creationId xmlns:a16="http://schemas.microsoft.com/office/drawing/2014/main" xmlns="" id="{AD2927ED-FCF9-42EC-9C97-CE6279117E5D}"/>
                 </a:ext>
               </a:extLst>
             </p:cNvPr>
@@ -9706,7 +9897,7 @@
             <p:cNvPr id="34" name="TextBox 33">
               <a:extLst>
                 <a:ext uri="{FF2B5EF4-FFF2-40B4-BE49-F238E27FC236}">
-                  <a16:creationId xmlns:a16="http://schemas.microsoft.com/office/drawing/2014/main" id="{F90E9CCD-200A-4788-B473-BF521CAF4376}"/>
+                  <a16:creationId xmlns:a16="http://schemas.microsoft.com/office/drawing/2014/main" xmlns="" id="{F90E9CCD-200A-4788-B473-BF521CAF4376}"/>
                 </a:ext>
               </a:extLst>
             </p:cNvPr>
@@ -9759,6 +9950,13 @@
   <p:clrMapOvr>
     <a:masterClrMapping/>
   </p:clrMapOvr>
+  <p:timing>
+    <p:tnLst>
+      <p:par>
+        <p:cTn id="1" dur="indefinite" restart="never" nodeType="tmRoot"/>
+      </p:par>
+    </p:tnLst>
+  </p:timing>
 </p:sld>
 </file>
 
@@ -9784,7 +9982,7 @@
           <p:cNvPr id="2" name="TextBox 1">
             <a:extLst>
               <a:ext uri="{FF2B5EF4-FFF2-40B4-BE49-F238E27FC236}">
-                <a16:creationId xmlns:a16="http://schemas.microsoft.com/office/drawing/2014/main" id="{604FCC24-5774-4D19-AE3C-892BD5CB9036}"/>
+                <a16:creationId xmlns:a16="http://schemas.microsoft.com/office/drawing/2014/main" xmlns="" id="{604FCC24-5774-4D19-AE3C-892BD5CB9036}"/>
               </a:ext>
             </a:extLst>
           </p:cNvPr>
@@ -9835,7 +10033,7 @@
           <p:cNvPr id="21" name="TextBox 20">
             <a:extLst>
               <a:ext uri="{FF2B5EF4-FFF2-40B4-BE49-F238E27FC236}">
-                <a16:creationId xmlns:a16="http://schemas.microsoft.com/office/drawing/2014/main" id="{21423D16-E797-416E-8FCF-A743D2F430FE}"/>
+                <a16:creationId xmlns:a16="http://schemas.microsoft.com/office/drawing/2014/main" xmlns="" id="{21423D16-E797-416E-8FCF-A743D2F430FE}"/>
               </a:ext>
             </a:extLst>
           </p:cNvPr>
@@ -9890,7 +10088,7 @@
           <p:cNvPr id="14" name="Picture 13">
             <a:extLst>
               <a:ext uri="{FF2B5EF4-FFF2-40B4-BE49-F238E27FC236}">
-                <a16:creationId xmlns:a16="http://schemas.microsoft.com/office/drawing/2014/main" id="{6865E7EA-1CAA-4E0B-B74B-8DD7180059AA}"/>
+                <a16:creationId xmlns:a16="http://schemas.microsoft.com/office/drawing/2014/main" xmlns="" id="{6865E7EA-1CAA-4E0B-B74B-8DD7180059AA}"/>
               </a:ext>
             </a:extLst>
           </p:cNvPr>
@@ -9920,7 +10118,7 @@
           <p:cNvPr id="39" name="TextBox 38">
             <a:extLst>
               <a:ext uri="{FF2B5EF4-FFF2-40B4-BE49-F238E27FC236}">
-                <a16:creationId xmlns:a16="http://schemas.microsoft.com/office/drawing/2014/main" id="{67703E7E-0B5D-403C-8879-194AEB50582B}"/>
+                <a16:creationId xmlns:a16="http://schemas.microsoft.com/office/drawing/2014/main" xmlns="" id="{67703E7E-0B5D-403C-8879-194AEB50582B}"/>
               </a:ext>
             </a:extLst>
           </p:cNvPr>
@@ -9975,7 +10173,7 @@
           <p:cNvPr id="15" name="Picture 14">
             <a:extLst>
               <a:ext uri="{FF2B5EF4-FFF2-40B4-BE49-F238E27FC236}">
-                <a16:creationId xmlns:a16="http://schemas.microsoft.com/office/drawing/2014/main" id="{4EEB0CA1-9B6B-405D-B2D6-43C6A3A6EE92}"/>
+                <a16:creationId xmlns:a16="http://schemas.microsoft.com/office/drawing/2014/main" xmlns="" id="{4EEB0CA1-9B6B-405D-B2D6-43C6A3A6EE92}"/>
               </a:ext>
             </a:extLst>
           </p:cNvPr>
@@ -10005,7 +10203,7 @@
           <p:cNvPr id="40" name="TextBox 39">
             <a:extLst>
               <a:ext uri="{FF2B5EF4-FFF2-40B4-BE49-F238E27FC236}">
-                <a16:creationId xmlns:a16="http://schemas.microsoft.com/office/drawing/2014/main" id="{3CEF73B0-1F11-42A7-98E4-35611286079B}"/>
+                <a16:creationId xmlns:a16="http://schemas.microsoft.com/office/drawing/2014/main" xmlns="" id="{3CEF73B0-1F11-42A7-98E4-35611286079B}"/>
               </a:ext>
             </a:extLst>
           </p:cNvPr>
@@ -10045,6 +10243,13 @@
   <p:clrMapOvr>
     <a:masterClrMapping/>
   </p:clrMapOvr>
+  <p:timing>
+    <p:tnLst>
+      <p:par>
+        <p:cTn id="1" dur="indefinite" restart="never" nodeType="tmRoot"/>
+      </p:par>
+    </p:tnLst>
+  </p:timing>
 </p:sld>
 </file>
 
@@ -10070,7 +10275,7 @@
           <p:cNvPr id="2" name="TextBox 1">
             <a:extLst>
               <a:ext uri="{FF2B5EF4-FFF2-40B4-BE49-F238E27FC236}">
-                <a16:creationId xmlns:a16="http://schemas.microsoft.com/office/drawing/2014/main" id="{604FCC24-5774-4D19-AE3C-892BD5CB9036}"/>
+                <a16:creationId xmlns:a16="http://schemas.microsoft.com/office/drawing/2014/main" xmlns="" id="{604FCC24-5774-4D19-AE3C-892BD5CB9036}"/>
               </a:ext>
             </a:extLst>
           </p:cNvPr>
@@ -10121,7 +10326,7 @@
           <p:cNvPr id="15" name="Picture 14">
             <a:extLst>
               <a:ext uri="{FF2B5EF4-FFF2-40B4-BE49-F238E27FC236}">
-                <a16:creationId xmlns:a16="http://schemas.microsoft.com/office/drawing/2014/main" id="{4EEB0CA1-9B6B-405D-B2D6-43C6A3A6EE92}"/>
+                <a16:creationId xmlns:a16="http://schemas.microsoft.com/office/drawing/2014/main" xmlns="" id="{4EEB0CA1-9B6B-405D-B2D6-43C6A3A6EE92}"/>
               </a:ext>
             </a:extLst>
           </p:cNvPr>
@@ -10151,7 +10356,7 @@
           <p:cNvPr id="8" name="Picture 7">
             <a:extLst>
               <a:ext uri="{FF2B5EF4-FFF2-40B4-BE49-F238E27FC236}">
-                <a16:creationId xmlns:a16="http://schemas.microsoft.com/office/drawing/2014/main" id="{4471E72E-AA64-4FEA-B7B8-131BD38222C3}"/>
+                <a16:creationId xmlns:a16="http://schemas.microsoft.com/office/drawing/2014/main" xmlns="" id="{4471E72E-AA64-4FEA-B7B8-131BD38222C3}"/>
               </a:ext>
             </a:extLst>
           </p:cNvPr>
@@ -10181,7 +10386,7 @@
           <p:cNvPr id="9" name="TextBox 8">
             <a:extLst>
               <a:ext uri="{FF2B5EF4-FFF2-40B4-BE49-F238E27FC236}">
-                <a16:creationId xmlns:a16="http://schemas.microsoft.com/office/drawing/2014/main" id="{268C0CA2-DBC5-46F6-B369-3F4A7AFD726C}"/>
+                <a16:creationId xmlns:a16="http://schemas.microsoft.com/office/drawing/2014/main" xmlns="" id="{268C0CA2-DBC5-46F6-B369-3F4A7AFD726C}"/>
               </a:ext>
             </a:extLst>
           </p:cNvPr>
@@ -10284,7 +10489,7 @@
           <p:cNvPr id="5" name="Group 4">
             <a:extLst>
               <a:ext uri="{FF2B5EF4-FFF2-40B4-BE49-F238E27FC236}">
-                <a16:creationId xmlns:a16="http://schemas.microsoft.com/office/drawing/2014/main" id="{47B4446F-5EEA-4339-8514-43F1C9C8906A}"/>
+                <a16:creationId xmlns:a16="http://schemas.microsoft.com/office/drawing/2014/main" xmlns="" id="{47B4446F-5EEA-4339-8514-43F1C9C8906A}"/>
               </a:ext>
             </a:extLst>
           </p:cNvPr>
@@ -10306,7 +10511,7 @@
             <p:cNvPr id="3" name="Picture 2">
               <a:extLst>
                 <a:ext uri="{FF2B5EF4-FFF2-40B4-BE49-F238E27FC236}">
-                  <a16:creationId xmlns:a16="http://schemas.microsoft.com/office/drawing/2014/main" id="{0F07178B-F3A9-42FB-9911-50B8F4DB7B14}"/>
+                  <a16:creationId xmlns:a16="http://schemas.microsoft.com/office/drawing/2014/main" xmlns="" id="{0F07178B-F3A9-42FB-9911-50B8F4DB7B14}"/>
                 </a:ext>
               </a:extLst>
             </p:cNvPr>
@@ -10336,7 +10541,7 @@
             <p:cNvPr id="4" name="Rectangle 3">
               <a:extLst>
                 <a:ext uri="{FF2B5EF4-FFF2-40B4-BE49-F238E27FC236}">
-                  <a16:creationId xmlns:a16="http://schemas.microsoft.com/office/drawing/2014/main" id="{ECD314BF-9124-4216-8DAC-32FEE28B4F84}"/>
+                  <a16:creationId xmlns:a16="http://schemas.microsoft.com/office/drawing/2014/main" xmlns="" id="{ECD314BF-9124-4216-8DAC-32FEE28B4F84}"/>
                 </a:ext>
               </a:extLst>
             </p:cNvPr>
@@ -10389,7 +10594,7 @@
           <p:cNvPr id="13" name="TextBox 12">
             <a:extLst>
               <a:ext uri="{FF2B5EF4-FFF2-40B4-BE49-F238E27FC236}">
-                <a16:creationId xmlns:a16="http://schemas.microsoft.com/office/drawing/2014/main" id="{D5B9C70C-F2EE-4A2A-B793-B475508C7A86}"/>
+                <a16:creationId xmlns:a16="http://schemas.microsoft.com/office/drawing/2014/main" xmlns="" id="{D5B9C70C-F2EE-4A2A-B793-B475508C7A86}"/>
               </a:ext>
             </a:extLst>
           </p:cNvPr>
@@ -10429,6 +10634,13 @@
   <p:clrMapOvr>
     <a:masterClrMapping/>
   </p:clrMapOvr>
+  <p:timing>
+    <p:tnLst>
+      <p:par>
+        <p:cTn id="1" dur="indefinite" restart="never" nodeType="tmRoot"/>
+      </p:par>
+    </p:tnLst>
+  </p:timing>
 </p:sld>
 </file>
 
@@ -10454,7 +10666,7 @@
           <p:cNvPr id="2" name="TextBox 1">
             <a:extLst>
               <a:ext uri="{FF2B5EF4-FFF2-40B4-BE49-F238E27FC236}">
-                <a16:creationId xmlns:a16="http://schemas.microsoft.com/office/drawing/2014/main" id="{604FCC24-5774-4D19-AE3C-892BD5CB9036}"/>
+                <a16:creationId xmlns:a16="http://schemas.microsoft.com/office/drawing/2014/main" xmlns="" id="{604FCC24-5774-4D19-AE3C-892BD5CB9036}"/>
               </a:ext>
             </a:extLst>
           </p:cNvPr>
@@ -10505,7 +10717,7 @@
           <p:cNvPr id="15" name="Picture 14">
             <a:extLst>
               <a:ext uri="{FF2B5EF4-FFF2-40B4-BE49-F238E27FC236}">
-                <a16:creationId xmlns:a16="http://schemas.microsoft.com/office/drawing/2014/main" id="{4EEB0CA1-9B6B-405D-B2D6-43C6A3A6EE92}"/>
+                <a16:creationId xmlns:a16="http://schemas.microsoft.com/office/drawing/2014/main" xmlns="" id="{4EEB0CA1-9B6B-405D-B2D6-43C6A3A6EE92}"/>
               </a:ext>
             </a:extLst>
           </p:cNvPr>
@@ -10535,7 +10747,7 @@
           <p:cNvPr id="8" name="Picture 7">
             <a:extLst>
               <a:ext uri="{FF2B5EF4-FFF2-40B4-BE49-F238E27FC236}">
-                <a16:creationId xmlns:a16="http://schemas.microsoft.com/office/drawing/2014/main" id="{4471E72E-AA64-4FEA-B7B8-131BD38222C3}"/>
+                <a16:creationId xmlns:a16="http://schemas.microsoft.com/office/drawing/2014/main" xmlns="" id="{4471E72E-AA64-4FEA-B7B8-131BD38222C3}"/>
               </a:ext>
             </a:extLst>
           </p:cNvPr>
@@ -10565,7 +10777,7 @@
           <p:cNvPr id="9" name="TextBox 8">
             <a:extLst>
               <a:ext uri="{FF2B5EF4-FFF2-40B4-BE49-F238E27FC236}">
-                <a16:creationId xmlns:a16="http://schemas.microsoft.com/office/drawing/2014/main" id="{268C0CA2-DBC5-46F6-B369-3F4A7AFD726C}"/>
+                <a16:creationId xmlns:a16="http://schemas.microsoft.com/office/drawing/2014/main" xmlns="" id="{268C0CA2-DBC5-46F6-B369-3F4A7AFD726C}"/>
               </a:ext>
             </a:extLst>
           </p:cNvPr>
@@ -10609,7 +10821,7 @@
           <p:cNvPr id="5" name="Group 4">
             <a:extLst>
               <a:ext uri="{FF2B5EF4-FFF2-40B4-BE49-F238E27FC236}">
-                <a16:creationId xmlns:a16="http://schemas.microsoft.com/office/drawing/2014/main" id="{47B4446F-5EEA-4339-8514-43F1C9C8906A}"/>
+                <a16:creationId xmlns:a16="http://schemas.microsoft.com/office/drawing/2014/main" xmlns="" id="{47B4446F-5EEA-4339-8514-43F1C9C8906A}"/>
               </a:ext>
             </a:extLst>
           </p:cNvPr>
@@ -10631,7 +10843,7 @@
             <p:cNvPr id="3" name="Picture 2">
               <a:extLst>
                 <a:ext uri="{FF2B5EF4-FFF2-40B4-BE49-F238E27FC236}">
-                  <a16:creationId xmlns:a16="http://schemas.microsoft.com/office/drawing/2014/main" id="{0F07178B-F3A9-42FB-9911-50B8F4DB7B14}"/>
+                  <a16:creationId xmlns:a16="http://schemas.microsoft.com/office/drawing/2014/main" xmlns="" id="{0F07178B-F3A9-42FB-9911-50B8F4DB7B14}"/>
                 </a:ext>
               </a:extLst>
             </p:cNvPr>
@@ -10661,7 +10873,7 @@
             <p:cNvPr id="4" name="Rectangle 3">
               <a:extLst>
                 <a:ext uri="{FF2B5EF4-FFF2-40B4-BE49-F238E27FC236}">
-                  <a16:creationId xmlns:a16="http://schemas.microsoft.com/office/drawing/2014/main" id="{ECD314BF-9124-4216-8DAC-32FEE28B4F84}"/>
+                  <a16:creationId xmlns:a16="http://schemas.microsoft.com/office/drawing/2014/main" xmlns="" id="{ECD314BF-9124-4216-8DAC-32FEE28B4F84}"/>
                 </a:ext>
               </a:extLst>
             </p:cNvPr>
@@ -10714,7 +10926,7 @@
           <p:cNvPr id="13" name="TextBox 12">
             <a:extLst>
               <a:ext uri="{FF2B5EF4-FFF2-40B4-BE49-F238E27FC236}">
-                <a16:creationId xmlns:a16="http://schemas.microsoft.com/office/drawing/2014/main" id="{D5B9C70C-F2EE-4A2A-B793-B475508C7A86}"/>
+                <a16:creationId xmlns:a16="http://schemas.microsoft.com/office/drawing/2014/main" xmlns="" id="{D5B9C70C-F2EE-4A2A-B793-B475508C7A86}"/>
               </a:ext>
             </a:extLst>
           </p:cNvPr>
@@ -10749,7 +10961,7 @@
           <p:cNvPr id="10" name="Group 9">
             <a:extLst>
               <a:ext uri="{FF2B5EF4-FFF2-40B4-BE49-F238E27FC236}">
-                <a16:creationId xmlns:a16="http://schemas.microsoft.com/office/drawing/2014/main" id="{EFB049B6-51F5-403F-9B69-766F461727ED}"/>
+                <a16:creationId xmlns:a16="http://schemas.microsoft.com/office/drawing/2014/main" xmlns="" id="{EFB049B6-51F5-403F-9B69-766F461727ED}"/>
               </a:ext>
             </a:extLst>
           </p:cNvPr>
@@ -10769,7 +10981,7 @@
             <p:cNvPr id="6" name="Picture 5">
               <a:extLst>
                 <a:ext uri="{FF2B5EF4-FFF2-40B4-BE49-F238E27FC236}">
-                  <a16:creationId xmlns:a16="http://schemas.microsoft.com/office/drawing/2014/main" id="{9D9AD99E-6D86-4F20-A939-BF170F986784}"/>
+                  <a16:creationId xmlns:a16="http://schemas.microsoft.com/office/drawing/2014/main" xmlns="" id="{9D9AD99E-6D86-4F20-A939-BF170F986784}"/>
                 </a:ext>
               </a:extLst>
             </p:cNvPr>
@@ -10799,7 +11011,7 @@
             <p:cNvPr id="7" name="Rectangle 6">
               <a:extLst>
                 <a:ext uri="{FF2B5EF4-FFF2-40B4-BE49-F238E27FC236}">
-                  <a16:creationId xmlns:a16="http://schemas.microsoft.com/office/drawing/2014/main" id="{C0F4D97C-18AB-4370-B57D-754BAEADB717}"/>
+                  <a16:creationId xmlns:a16="http://schemas.microsoft.com/office/drawing/2014/main" xmlns="" id="{C0F4D97C-18AB-4370-B57D-754BAEADB717}"/>
                 </a:ext>
               </a:extLst>
             </p:cNvPr>
@@ -10852,7 +11064,7 @@
           <p:cNvPr id="14" name="TextBox 13">
             <a:extLst>
               <a:ext uri="{FF2B5EF4-FFF2-40B4-BE49-F238E27FC236}">
-                <a16:creationId xmlns:a16="http://schemas.microsoft.com/office/drawing/2014/main" id="{D9FC6622-F2B7-44F3-9F5D-79C3858E58EB}"/>
+                <a16:creationId xmlns:a16="http://schemas.microsoft.com/office/drawing/2014/main" xmlns="" id="{D9FC6622-F2B7-44F3-9F5D-79C3858E58EB}"/>
               </a:ext>
             </a:extLst>
           </p:cNvPr>
@@ -10997,6 +11209,13 @@
   <p:clrMapOvr>
     <a:masterClrMapping/>
   </p:clrMapOvr>
+  <p:timing>
+    <p:tnLst>
+      <p:par>
+        <p:cTn id="1" dur="indefinite" restart="never" nodeType="tmRoot"/>
+      </p:par>
+    </p:tnLst>
+  </p:timing>
 </p:sld>
 </file>
 
@@ -11022,7 +11241,7 @@
           <p:cNvPr id="2" name="TextBox 1">
             <a:extLst>
               <a:ext uri="{FF2B5EF4-FFF2-40B4-BE49-F238E27FC236}">
-                <a16:creationId xmlns:a16="http://schemas.microsoft.com/office/drawing/2014/main" id="{604FCC24-5774-4D19-AE3C-892BD5CB9036}"/>
+                <a16:creationId xmlns:a16="http://schemas.microsoft.com/office/drawing/2014/main" xmlns="" id="{604FCC24-5774-4D19-AE3C-892BD5CB9036}"/>
               </a:ext>
             </a:extLst>
           </p:cNvPr>
@@ -11073,7 +11292,7 @@
           <p:cNvPr id="15" name="Picture 14">
             <a:extLst>
               <a:ext uri="{FF2B5EF4-FFF2-40B4-BE49-F238E27FC236}">
-                <a16:creationId xmlns:a16="http://schemas.microsoft.com/office/drawing/2014/main" id="{4EEB0CA1-9B6B-405D-B2D6-43C6A3A6EE92}"/>
+                <a16:creationId xmlns:a16="http://schemas.microsoft.com/office/drawing/2014/main" xmlns="" id="{4EEB0CA1-9B6B-405D-B2D6-43C6A3A6EE92}"/>
               </a:ext>
             </a:extLst>
           </p:cNvPr>
@@ -11103,7 +11322,7 @@
           <p:cNvPr id="8" name="Picture 7">
             <a:extLst>
               <a:ext uri="{FF2B5EF4-FFF2-40B4-BE49-F238E27FC236}">
-                <a16:creationId xmlns:a16="http://schemas.microsoft.com/office/drawing/2014/main" id="{4471E72E-AA64-4FEA-B7B8-131BD38222C3}"/>
+                <a16:creationId xmlns:a16="http://schemas.microsoft.com/office/drawing/2014/main" xmlns="" id="{4471E72E-AA64-4FEA-B7B8-131BD38222C3}"/>
               </a:ext>
             </a:extLst>
           </p:cNvPr>
@@ -11133,7 +11352,7 @@
           <p:cNvPr id="9" name="TextBox 8">
             <a:extLst>
               <a:ext uri="{FF2B5EF4-FFF2-40B4-BE49-F238E27FC236}">
-                <a16:creationId xmlns:a16="http://schemas.microsoft.com/office/drawing/2014/main" id="{268C0CA2-DBC5-46F6-B369-3F4A7AFD726C}"/>
+                <a16:creationId xmlns:a16="http://schemas.microsoft.com/office/drawing/2014/main" xmlns="" id="{268C0CA2-DBC5-46F6-B369-3F4A7AFD726C}"/>
               </a:ext>
             </a:extLst>
           </p:cNvPr>
@@ -11177,7 +11396,7 @@
           <p:cNvPr id="5" name="Group 4">
             <a:extLst>
               <a:ext uri="{FF2B5EF4-FFF2-40B4-BE49-F238E27FC236}">
-                <a16:creationId xmlns:a16="http://schemas.microsoft.com/office/drawing/2014/main" id="{47B4446F-5EEA-4339-8514-43F1C9C8906A}"/>
+                <a16:creationId xmlns:a16="http://schemas.microsoft.com/office/drawing/2014/main" xmlns="" id="{47B4446F-5EEA-4339-8514-43F1C9C8906A}"/>
               </a:ext>
             </a:extLst>
           </p:cNvPr>
@@ -11199,7 +11418,7 @@
             <p:cNvPr id="3" name="Picture 2">
               <a:extLst>
                 <a:ext uri="{FF2B5EF4-FFF2-40B4-BE49-F238E27FC236}">
-                  <a16:creationId xmlns:a16="http://schemas.microsoft.com/office/drawing/2014/main" id="{0F07178B-F3A9-42FB-9911-50B8F4DB7B14}"/>
+                  <a16:creationId xmlns:a16="http://schemas.microsoft.com/office/drawing/2014/main" xmlns="" id="{0F07178B-F3A9-42FB-9911-50B8F4DB7B14}"/>
                 </a:ext>
               </a:extLst>
             </p:cNvPr>
@@ -11229,7 +11448,7 @@
             <p:cNvPr id="4" name="Rectangle 3">
               <a:extLst>
                 <a:ext uri="{FF2B5EF4-FFF2-40B4-BE49-F238E27FC236}">
-                  <a16:creationId xmlns:a16="http://schemas.microsoft.com/office/drawing/2014/main" id="{ECD314BF-9124-4216-8DAC-32FEE28B4F84}"/>
+                  <a16:creationId xmlns:a16="http://schemas.microsoft.com/office/drawing/2014/main" xmlns="" id="{ECD314BF-9124-4216-8DAC-32FEE28B4F84}"/>
                 </a:ext>
               </a:extLst>
             </p:cNvPr>
@@ -11282,7 +11501,7 @@
           <p:cNvPr id="13" name="TextBox 12">
             <a:extLst>
               <a:ext uri="{FF2B5EF4-FFF2-40B4-BE49-F238E27FC236}">
-                <a16:creationId xmlns:a16="http://schemas.microsoft.com/office/drawing/2014/main" id="{D5B9C70C-F2EE-4A2A-B793-B475508C7A86}"/>
+                <a16:creationId xmlns:a16="http://schemas.microsoft.com/office/drawing/2014/main" xmlns="" id="{D5B9C70C-F2EE-4A2A-B793-B475508C7A86}"/>
               </a:ext>
             </a:extLst>
           </p:cNvPr>
@@ -11317,7 +11536,7 @@
           <p:cNvPr id="10" name="Group 9">
             <a:extLst>
               <a:ext uri="{FF2B5EF4-FFF2-40B4-BE49-F238E27FC236}">
-                <a16:creationId xmlns:a16="http://schemas.microsoft.com/office/drawing/2014/main" id="{EFB049B6-51F5-403F-9B69-766F461727ED}"/>
+                <a16:creationId xmlns:a16="http://schemas.microsoft.com/office/drawing/2014/main" xmlns="" id="{EFB049B6-51F5-403F-9B69-766F461727ED}"/>
               </a:ext>
             </a:extLst>
           </p:cNvPr>
@@ -11337,7 +11556,7 @@
             <p:cNvPr id="6" name="Picture 5">
               <a:extLst>
                 <a:ext uri="{FF2B5EF4-FFF2-40B4-BE49-F238E27FC236}">
-                  <a16:creationId xmlns:a16="http://schemas.microsoft.com/office/drawing/2014/main" id="{9D9AD99E-6D86-4F20-A939-BF170F986784}"/>
+                  <a16:creationId xmlns:a16="http://schemas.microsoft.com/office/drawing/2014/main" xmlns="" id="{9D9AD99E-6D86-4F20-A939-BF170F986784}"/>
                 </a:ext>
               </a:extLst>
             </p:cNvPr>
@@ -11367,7 +11586,7 @@
             <p:cNvPr id="7" name="Rectangle 6">
               <a:extLst>
                 <a:ext uri="{FF2B5EF4-FFF2-40B4-BE49-F238E27FC236}">
-                  <a16:creationId xmlns:a16="http://schemas.microsoft.com/office/drawing/2014/main" id="{C0F4D97C-18AB-4370-B57D-754BAEADB717}"/>
+                  <a16:creationId xmlns:a16="http://schemas.microsoft.com/office/drawing/2014/main" xmlns="" id="{C0F4D97C-18AB-4370-B57D-754BAEADB717}"/>
                 </a:ext>
               </a:extLst>
             </p:cNvPr>
@@ -11420,7 +11639,7 @@
           <p:cNvPr id="14" name="TextBox 13">
             <a:extLst>
               <a:ext uri="{FF2B5EF4-FFF2-40B4-BE49-F238E27FC236}">
-                <a16:creationId xmlns:a16="http://schemas.microsoft.com/office/drawing/2014/main" id="{D9FC6622-F2B7-44F3-9F5D-79C3858E58EB}"/>
+                <a16:creationId xmlns:a16="http://schemas.microsoft.com/office/drawing/2014/main" xmlns="" id="{D9FC6622-F2B7-44F3-9F5D-79C3858E58EB}"/>
               </a:ext>
             </a:extLst>
           </p:cNvPr>
@@ -11464,6 +11683,13 @@
   <p:clrMapOvr>
     <a:masterClrMapping/>
   </p:clrMapOvr>
+  <p:timing>
+    <p:tnLst>
+      <p:par>
+        <p:cTn id="1" dur="indefinite" restart="never" nodeType="tmRoot"/>
+      </p:par>
+    </p:tnLst>
+  </p:timing>
 </p:sld>
 </file>
 
@@ -11489,7 +11715,7 @@
           <p:cNvPr id="2" name="TextBox 1">
             <a:extLst>
               <a:ext uri="{FF2B5EF4-FFF2-40B4-BE49-F238E27FC236}">
-                <a16:creationId xmlns:a16="http://schemas.microsoft.com/office/drawing/2014/main" id="{604FCC24-5774-4D19-AE3C-892BD5CB9036}"/>
+                <a16:creationId xmlns:a16="http://schemas.microsoft.com/office/drawing/2014/main" xmlns="" id="{604FCC24-5774-4D19-AE3C-892BD5CB9036}"/>
               </a:ext>
             </a:extLst>
           </p:cNvPr>
@@ -11527,7 +11753,7 @@
           <p:cNvPr id="8" name="Group 7">
             <a:extLst>
               <a:ext uri="{FF2B5EF4-FFF2-40B4-BE49-F238E27FC236}">
-                <a16:creationId xmlns:a16="http://schemas.microsoft.com/office/drawing/2014/main" id="{01E02375-F4DA-4A99-B8F7-8F1708ECDA85}"/>
+                <a16:creationId xmlns:a16="http://schemas.microsoft.com/office/drawing/2014/main" xmlns="" id="{01E02375-F4DA-4A99-B8F7-8F1708ECDA85}"/>
               </a:ext>
             </a:extLst>
           </p:cNvPr>
@@ -11547,7 +11773,7 @@
             <p:cNvPr id="9" name="TextBox 8">
               <a:extLst>
                 <a:ext uri="{FF2B5EF4-FFF2-40B4-BE49-F238E27FC236}">
-                  <a16:creationId xmlns:a16="http://schemas.microsoft.com/office/drawing/2014/main" id="{A66282AF-7EDE-475D-8B4B-A5254CE01677}"/>
+                  <a16:creationId xmlns:a16="http://schemas.microsoft.com/office/drawing/2014/main" xmlns="" id="{A66282AF-7EDE-475D-8B4B-A5254CE01677}"/>
                 </a:ext>
               </a:extLst>
             </p:cNvPr>
@@ -11582,7 +11808,7 @@
             <p:cNvPr id="10" name="Picture 9">
               <a:extLst>
                 <a:ext uri="{FF2B5EF4-FFF2-40B4-BE49-F238E27FC236}">
-                  <a16:creationId xmlns:a16="http://schemas.microsoft.com/office/drawing/2014/main" id="{36FE8736-1BB8-485B-8E2F-6269E1482D99}"/>
+                  <a16:creationId xmlns:a16="http://schemas.microsoft.com/office/drawing/2014/main" xmlns="" id="{36FE8736-1BB8-485B-8E2F-6269E1482D99}"/>
                 </a:ext>
               </a:extLst>
             </p:cNvPr>
@@ -11613,7 +11839,7 @@
           <p:cNvPr id="11" name="Group 10">
             <a:extLst>
               <a:ext uri="{FF2B5EF4-FFF2-40B4-BE49-F238E27FC236}">
-                <a16:creationId xmlns:a16="http://schemas.microsoft.com/office/drawing/2014/main" id="{FEA8DE0C-DCDD-48F3-863F-A340EC92189C}"/>
+                <a16:creationId xmlns:a16="http://schemas.microsoft.com/office/drawing/2014/main" xmlns="" id="{FEA8DE0C-DCDD-48F3-863F-A340EC92189C}"/>
               </a:ext>
             </a:extLst>
           </p:cNvPr>
@@ -11633,7 +11859,7 @@
             <p:cNvPr id="12" name="Group 11">
               <a:extLst>
                 <a:ext uri="{FF2B5EF4-FFF2-40B4-BE49-F238E27FC236}">
-                  <a16:creationId xmlns:a16="http://schemas.microsoft.com/office/drawing/2014/main" id="{ED235553-BA2E-4151-AF57-6971B7C121EF}"/>
+                  <a16:creationId xmlns:a16="http://schemas.microsoft.com/office/drawing/2014/main" xmlns="" id="{ED235553-BA2E-4151-AF57-6971B7C121EF}"/>
                 </a:ext>
               </a:extLst>
             </p:cNvPr>
@@ -11653,7 +11879,7 @@
               <p:cNvPr id="18" name="TextBox 17">
                 <a:extLst>
                   <a:ext uri="{FF2B5EF4-FFF2-40B4-BE49-F238E27FC236}">
-                    <a16:creationId xmlns:a16="http://schemas.microsoft.com/office/drawing/2014/main" id="{04DB8D4D-38B0-4F62-A5C6-377A602BB7AF}"/>
+                    <a16:creationId xmlns:a16="http://schemas.microsoft.com/office/drawing/2014/main" xmlns="" id="{04DB8D4D-38B0-4F62-A5C6-377A602BB7AF}"/>
                   </a:ext>
                 </a:extLst>
               </p:cNvPr>
@@ -11688,7 +11914,7 @@
               <p:cNvPr id="19" name="Picture 18">
                 <a:extLst>
                   <a:ext uri="{FF2B5EF4-FFF2-40B4-BE49-F238E27FC236}">
-                    <a16:creationId xmlns:a16="http://schemas.microsoft.com/office/drawing/2014/main" id="{30AE7D7E-B1EE-4A5D-8BE8-38777325CD4A}"/>
+                    <a16:creationId xmlns:a16="http://schemas.microsoft.com/office/drawing/2014/main" xmlns="" id="{30AE7D7E-B1EE-4A5D-8BE8-38777325CD4A}"/>
                   </a:ext>
                 </a:extLst>
               </p:cNvPr>
@@ -11719,7 +11945,7 @@
             <p:cNvPr id="13" name="Straight Arrow Connector 12">
               <a:extLst>
                 <a:ext uri="{FF2B5EF4-FFF2-40B4-BE49-F238E27FC236}">
-                  <a16:creationId xmlns:a16="http://schemas.microsoft.com/office/drawing/2014/main" id="{E75C1CB4-FA46-468B-8FD2-57159DD6A69E}"/>
+                  <a16:creationId xmlns:a16="http://schemas.microsoft.com/office/drawing/2014/main" xmlns="" id="{E75C1CB4-FA46-468B-8FD2-57159DD6A69E}"/>
                 </a:ext>
               </a:extLst>
             </p:cNvPr>
@@ -11760,7 +11986,7 @@
             <p:cNvPr id="16" name="TextBox 15">
               <a:extLst>
                 <a:ext uri="{FF2B5EF4-FFF2-40B4-BE49-F238E27FC236}">
-                  <a16:creationId xmlns:a16="http://schemas.microsoft.com/office/drawing/2014/main" id="{1B23C4DF-503E-459A-AC8C-C9ED2F674302}"/>
+                  <a16:creationId xmlns:a16="http://schemas.microsoft.com/office/drawing/2014/main" xmlns="" id="{1B23C4DF-503E-459A-AC8C-C9ED2F674302}"/>
                 </a:ext>
               </a:extLst>
             </p:cNvPr>
@@ -11823,7 +12049,7 @@
             <p:cNvPr id="17" name="TextBox 16">
               <a:extLst>
                 <a:ext uri="{FF2B5EF4-FFF2-40B4-BE49-F238E27FC236}">
-                  <a16:creationId xmlns:a16="http://schemas.microsoft.com/office/drawing/2014/main" id="{0162580E-FD51-417B-94A6-A6588798624E}"/>
+                  <a16:creationId xmlns:a16="http://schemas.microsoft.com/office/drawing/2014/main" xmlns="" id="{0162580E-FD51-417B-94A6-A6588798624E}"/>
                 </a:ext>
               </a:extLst>
             </p:cNvPr>
@@ -11863,7 +12089,7 @@
           <p:cNvPr id="20" name="Group 19">
             <a:extLst>
               <a:ext uri="{FF2B5EF4-FFF2-40B4-BE49-F238E27FC236}">
-                <a16:creationId xmlns:a16="http://schemas.microsoft.com/office/drawing/2014/main" id="{C7C23E10-70FA-46C8-8FE2-78B698EAB06C}"/>
+                <a16:creationId xmlns:a16="http://schemas.microsoft.com/office/drawing/2014/main" xmlns="" id="{C7C23E10-70FA-46C8-8FE2-78B698EAB06C}"/>
               </a:ext>
             </a:extLst>
           </p:cNvPr>
@@ -11883,7 +12109,7 @@
             <p:cNvPr id="22" name="TextBox 21">
               <a:extLst>
                 <a:ext uri="{FF2B5EF4-FFF2-40B4-BE49-F238E27FC236}">
-                  <a16:creationId xmlns:a16="http://schemas.microsoft.com/office/drawing/2014/main" id="{E34EC561-D996-4A77-AAC2-8FB8394E2E96}"/>
+                  <a16:creationId xmlns:a16="http://schemas.microsoft.com/office/drawing/2014/main" xmlns="" id="{E34EC561-D996-4A77-AAC2-8FB8394E2E96}"/>
                 </a:ext>
               </a:extLst>
             </p:cNvPr>
@@ -11918,7 +12144,7 @@
             <p:cNvPr id="23" name="Picture 22">
               <a:extLst>
                 <a:ext uri="{FF2B5EF4-FFF2-40B4-BE49-F238E27FC236}">
-                  <a16:creationId xmlns:a16="http://schemas.microsoft.com/office/drawing/2014/main" id="{71AAD538-57CB-4289-8AB4-975F45E3E288}"/>
+                  <a16:creationId xmlns:a16="http://schemas.microsoft.com/office/drawing/2014/main" xmlns="" id="{71AAD538-57CB-4289-8AB4-975F45E3E288}"/>
                 </a:ext>
               </a:extLst>
             </p:cNvPr>
@@ -11949,7 +12175,7 @@
           <p:cNvPr id="25" name="TextBox 24">
             <a:extLst>
               <a:ext uri="{FF2B5EF4-FFF2-40B4-BE49-F238E27FC236}">
-                <a16:creationId xmlns:a16="http://schemas.microsoft.com/office/drawing/2014/main" id="{4E5B84F2-4C86-4903-AC34-DA61859F92CD}"/>
+                <a16:creationId xmlns:a16="http://schemas.microsoft.com/office/drawing/2014/main" xmlns="" id="{4E5B84F2-4C86-4903-AC34-DA61859F92CD}"/>
               </a:ext>
             </a:extLst>
           </p:cNvPr>
@@ -11992,7 +12218,7 @@
           <p:cNvPr id="3" name="Picture 2">
             <a:extLst>
               <a:ext uri="{FF2B5EF4-FFF2-40B4-BE49-F238E27FC236}">
-                <a16:creationId xmlns:a16="http://schemas.microsoft.com/office/drawing/2014/main" id="{D898E28B-526B-42AC-B135-877ABC7CDF7D}"/>
+                <a16:creationId xmlns:a16="http://schemas.microsoft.com/office/drawing/2014/main" xmlns="" id="{D898E28B-526B-42AC-B135-877ABC7CDF7D}"/>
               </a:ext>
             </a:extLst>
           </p:cNvPr>
@@ -12027,6 +12253,13 @@
   <p:clrMapOvr>
     <a:masterClrMapping/>
   </p:clrMapOvr>
+  <p:timing>
+    <p:tnLst>
+      <p:par>
+        <p:cTn id="1" dur="indefinite" restart="never" nodeType="tmRoot"/>
+      </p:par>
+    </p:tnLst>
+  </p:timing>
 </p:sld>
 </file>
 
@@ -12052,7 +12285,7 @@
           <p:cNvPr id="2" name="TextBox 1">
             <a:extLst>
               <a:ext uri="{FF2B5EF4-FFF2-40B4-BE49-F238E27FC236}">
-                <a16:creationId xmlns:a16="http://schemas.microsoft.com/office/drawing/2014/main" id="{604FCC24-5774-4D19-AE3C-892BD5CB9036}"/>
+                <a16:creationId xmlns:a16="http://schemas.microsoft.com/office/drawing/2014/main" xmlns="" id="{604FCC24-5774-4D19-AE3C-892BD5CB9036}"/>
               </a:ext>
             </a:extLst>
           </p:cNvPr>
@@ -12090,7 +12323,7 @@
           <p:cNvPr id="25" name="TextBox 24">
             <a:extLst>
               <a:ext uri="{FF2B5EF4-FFF2-40B4-BE49-F238E27FC236}">
-                <a16:creationId xmlns:a16="http://schemas.microsoft.com/office/drawing/2014/main" id="{4E5B84F2-4C86-4903-AC34-DA61859F92CD}"/>
+                <a16:creationId xmlns:a16="http://schemas.microsoft.com/office/drawing/2014/main" xmlns="" id="{4E5B84F2-4C86-4903-AC34-DA61859F92CD}"/>
               </a:ext>
             </a:extLst>
           </p:cNvPr>
@@ -12129,7 +12362,7 @@
           <p:cNvPr id="3" name="Picture 2">
             <a:extLst>
               <a:ext uri="{FF2B5EF4-FFF2-40B4-BE49-F238E27FC236}">
-                <a16:creationId xmlns:a16="http://schemas.microsoft.com/office/drawing/2014/main" id="{D898E28B-526B-42AC-B135-877ABC7CDF7D}"/>
+                <a16:creationId xmlns:a16="http://schemas.microsoft.com/office/drawing/2014/main" xmlns="" id="{D898E28B-526B-42AC-B135-877ABC7CDF7D}"/>
               </a:ext>
             </a:extLst>
           </p:cNvPr>
@@ -12159,7 +12392,7 @@
           <p:cNvPr id="29" name="TextBox 28">
             <a:extLst>
               <a:ext uri="{FF2B5EF4-FFF2-40B4-BE49-F238E27FC236}">
-                <a16:creationId xmlns:a16="http://schemas.microsoft.com/office/drawing/2014/main" id="{EB9D7308-152C-4813-94C3-D7E9991FDAA7}"/>
+                <a16:creationId xmlns:a16="http://schemas.microsoft.com/office/drawing/2014/main" xmlns="" id="{EB9D7308-152C-4813-94C3-D7E9991FDAA7}"/>
               </a:ext>
             </a:extLst>
           </p:cNvPr>
@@ -12226,7 +12459,7 @@
           <p:cNvPr id="5" name="Picture 4">
             <a:extLst>
               <a:ext uri="{FF2B5EF4-FFF2-40B4-BE49-F238E27FC236}">
-                <a16:creationId xmlns:a16="http://schemas.microsoft.com/office/drawing/2014/main" id="{1D1EE1A2-11DF-4098-AA5D-805602CD903D}"/>
+                <a16:creationId xmlns:a16="http://schemas.microsoft.com/office/drawing/2014/main" xmlns="" id="{1D1EE1A2-11DF-4098-AA5D-805602CD903D}"/>
               </a:ext>
             </a:extLst>
           </p:cNvPr>
@@ -12256,7 +12489,7 @@
           <p:cNvPr id="6" name="Rectangle 5">
             <a:extLst>
               <a:ext uri="{FF2B5EF4-FFF2-40B4-BE49-F238E27FC236}">
-                <a16:creationId xmlns:a16="http://schemas.microsoft.com/office/drawing/2014/main" id="{B22691BE-7797-44EA-A764-26D2E8EA2C58}"/>
+                <a16:creationId xmlns:a16="http://schemas.microsoft.com/office/drawing/2014/main" xmlns="" id="{B22691BE-7797-44EA-A764-26D2E8EA2C58}"/>
               </a:ext>
             </a:extLst>
           </p:cNvPr>
@@ -12313,6 +12546,13 @@
   <p:clrMapOvr>
     <a:masterClrMapping/>
   </p:clrMapOvr>
+  <p:timing>
+    <p:tnLst>
+      <p:par>
+        <p:cTn id="1" dur="indefinite" restart="never" nodeType="tmRoot"/>
+      </p:par>
+    </p:tnLst>
+  </p:timing>
 </p:sld>
 </file>
 
